--- a/optimization/4 семестр/Смотр 19.05.14/Презентация.pptx
+++ b/optimization/4 семестр/Смотр 19.05.14/Презентация.pptx
@@ -46,7 +46,7 @@
     <p:sldId id="273" r:id="rId37"/>
   </p:sldIdLst>
   <p:sldSz cx="9144000" cy="6858000" type="screen4x3"/>
-  <p:notesSz cx="6858000" cy="9144000"/>
+  <p:notesSz cx="6797675" cy="9874250"/>
   <p:defaultTextStyle>
     <a:defPPr>
       <a:defRPr lang="ru-RU"/>
@@ -307,11 +307,11 @@
           <c:showPercent val="0"/>
           <c:showBubbleSize val="0"/>
         </c:dLbls>
-        <c:axId val="159416320"/>
-        <c:axId val="159418240"/>
+        <c:axId val="41017344"/>
+        <c:axId val="41019264"/>
       </c:scatterChart>
       <c:valAx>
-        <c:axId val="159416320"/>
+        <c:axId val="41017344"/>
         <c:scaling>
           <c:orientation val="minMax"/>
           <c:max val="201"/>
@@ -347,13 +347,13 @@
         <c:majorTickMark val="out"/>
         <c:minorTickMark val="none"/>
         <c:tickLblPos val="nextTo"/>
-        <c:crossAx val="159418240"/>
+        <c:crossAx val="41019264"/>
         <c:crosses val="autoZero"/>
         <c:crossBetween val="midCat"/>
         <c:majorUnit val="5"/>
       </c:valAx>
       <c:valAx>
-        <c:axId val="159418240"/>
+        <c:axId val="41019264"/>
         <c:scaling>
           <c:orientation val="minMax"/>
           <c:max val="17"/>
@@ -408,7 +408,7 @@
         <c:majorTickMark val="out"/>
         <c:minorTickMark val="none"/>
         <c:tickLblPos val="nextTo"/>
-        <c:crossAx val="159416320"/>
+        <c:crossAx val="41017344"/>
         <c:crosses val="autoZero"/>
         <c:crossBetween val="midCat"/>
         <c:majorUnit val="0.8"/>
@@ -548,11 +548,11 @@
           <c:showPercent val="0"/>
           <c:showBubbleSize val="0"/>
         </c:dLbls>
-        <c:axId val="159436160"/>
-        <c:axId val="158934528"/>
+        <c:axId val="48254336"/>
+        <c:axId val="48285184"/>
       </c:scatterChart>
       <c:valAx>
-        <c:axId val="159436160"/>
+        <c:axId val="48254336"/>
         <c:scaling>
           <c:orientation val="minMax"/>
         </c:scaling>
@@ -590,13 +590,13 @@
         <c:majorTickMark val="out"/>
         <c:minorTickMark val="none"/>
         <c:tickLblPos val="nextTo"/>
-        <c:crossAx val="158934528"/>
+        <c:crossAx val="48285184"/>
         <c:crosses val="autoZero"/>
         <c:crossBetween val="midCat"/>
         <c:majorUnit val="10"/>
       </c:valAx>
       <c:valAx>
-        <c:axId val="158934528"/>
+        <c:axId val="48285184"/>
         <c:scaling>
           <c:orientation val="minMax"/>
           <c:max val="40"/>
@@ -645,7 +645,7 @@
         <c:majorTickMark val="out"/>
         <c:minorTickMark val="none"/>
         <c:tickLblPos val="nextTo"/>
-        <c:crossAx val="159436160"/>
+        <c:crossAx val="48254336"/>
         <c:crosses val="autoZero"/>
         <c:crossBetween val="midCat"/>
         <c:majorUnit val="3"/>
@@ -785,11 +785,11 @@
           <c:showPercent val="0"/>
           <c:showBubbleSize val="0"/>
         </c:dLbls>
-        <c:axId val="158965120"/>
-        <c:axId val="158983680"/>
+        <c:axId val="48295296"/>
+        <c:axId val="48109056"/>
       </c:scatterChart>
       <c:valAx>
-        <c:axId val="158965120"/>
+        <c:axId val="48295296"/>
         <c:scaling>
           <c:orientation val="minMax"/>
         </c:scaling>
@@ -829,13 +829,13 @@
         <c:majorTickMark val="out"/>
         <c:minorTickMark val="none"/>
         <c:tickLblPos val="nextTo"/>
-        <c:crossAx val="158983680"/>
+        <c:crossAx val="48109056"/>
         <c:crosses val="autoZero"/>
         <c:crossBetween val="midCat"/>
         <c:majorUnit val="10"/>
       </c:valAx>
       <c:valAx>
-        <c:axId val="158983680"/>
+        <c:axId val="48109056"/>
         <c:scaling>
           <c:orientation val="minMax"/>
           <c:max val="34"/>
@@ -880,7 +880,7 @@
         <c:majorTickMark val="out"/>
         <c:minorTickMark val="none"/>
         <c:tickLblPos val="nextTo"/>
-        <c:crossAx val="158965120"/>
+        <c:crossAx val="48295296"/>
         <c:crosses val="autoZero"/>
         <c:crossBetween val="midCat"/>
         <c:majorUnit val="3"/>
@@ -1020,11 +1020,11 @@
           <c:showPercent val="0"/>
           <c:showBubbleSize val="0"/>
         </c:dLbls>
-        <c:axId val="159473024"/>
-        <c:axId val="159475200"/>
+        <c:axId val="48135552"/>
+        <c:axId val="48158208"/>
       </c:scatterChart>
       <c:valAx>
-        <c:axId val="159473024"/>
+        <c:axId val="48135552"/>
         <c:scaling>
           <c:orientation val="minMax"/>
         </c:scaling>
@@ -1064,13 +1064,13 @@
         <c:majorTickMark val="out"/>
         <c:minorTickMark val="none"/>
         <c:tickLblPos val="nextTo"/>
-        <c:crossAx val="159475200"/>
+        <c:crossAx val="48158208"/>
         <c:crosses val="autoZero"/>
         <c:crossBetween val="midCat"/>
         <c:majorUnit val="10"/>
       </c:valAx>
       <c:valAx>
-        <c:axId val="159475200"/>
+        <c:axId val="48158208"/>
         <c:scaling>
           <c:orientation val="minMax"/>
           <c:max val="255"/>
@@ -1115,7 +1115,7 @@
         <c:majorTickMark val="out"/>
         <c:minorTickMark val="none"/>
         <c:tickLblPos val="nextTo"/>
-        <c:crossAx val="159473024"/>
+        <c:crossAx val="48135552"/>
         <c:crosses val="autoZero"/>
         <c:crossBetween val="midCat"/>
         <c:majorUnit val="5"/>
@@ -1255,11 +1255,11 @@
           <c:showPercent val="0"/>
           <c:showBubbleSize val="0"/>
         </c:dLbls>
-        <c:axId val="159497600"/>
-        <c:axId val="161371648"/>
+        <c:axId val="48332160"/>
+        <c:axId val="48334336"/>
       </c:scatterChart>
       <c:valAx>
-        <c:axId val="159497600"/>
+        <c:axId val="48332160"/>
         <c:scaling>
           <c:orientation val="minMax"/>
         </c:scaling>
@@ -1299,13 +1299,13 @@
         <c:majorTickMark val="out"/>
         <c:minorTickMark val="none"/>
         <c:tickLblPos val="nextTo"/>
-        <c:crossAx val="161371648"/>
+        <c:crossAx val="48334336"/>
         <c:crosses val="autoZero"/>
         <c:crossBetween val="midCat"/>
         <c:majorUnit val="10"/>
       </c:valAx>
       <c:valAx>
-        <c:axId val="161371648"/>
+        <c:axId val="48334336"/>
         <c:scaling>
           <c:orientation val="minMax"/>
         </c:scaling>
@@ -1340,7 +1340,7 @@
         <c:majorTickMark val="out"/>
         <c:minorTickMark val="none"/>
         <c:tickLblPos val="nextTo"/>
-        <c:crossAx val="159497600"/>
+        <c:crossAx val="48332160"/>
         <c:crosses val="autoZero"/>
         <c:crossBetween val="midCat"/>
         <c:majorUnit val="0.1"/>
@@ -1396,7 +1396,7 @@
         <p:spPr>
           <a:xfrm>
             <a:off x="0" y="0"/>
-            <a:ext cx="2971800" cy="457200"/>
+            <a:ext cx="2945659" cy="493713"/>
           </a:xfrm>
           <a:prstGeom prst="rect">
             <a:avLst/>
@@ -1426,8 +1426,8 @@
         </p:nvSpPr>
         <p:spPr>
           <a:xfrm>
-            <a:off x="3884613" y="0"/>
-            <a:ext cx="2971800" cy="457200"/>
+            <a:off x="3850443" y="0"/>
+            <a:ext cx="2945659" cy="493713"/>
           </a:xfrm>
           <a:prstGeom prst="rect">
             <a:avLst/>
@@ -1461,8 +1461,8 @@
         </p:nvSpPr>
         <p:spPr>
           <a:xfrm>
-            <a:off x="1143000" y="685800"/>
-            <a:ext cx="4572000" cy="3429000"/>
+            <a:off x="931863" y="741363"/>
+            <a:ext cx="4933950" cy="3702050"/>
           </a:xfrm>
           <a:prstGeom prst="rect">
             <a:avLst/>
@@ -1494,8 +1494,8 @@
         </p:nvSpPr>
         <p:spPr>
           <a:xfrm>
-            <a:off x="685800" y="4343400"/>
-            <a:ext cx="5486400" cy="4114800"/>
+            <a:off x="679768" y="4690269"/>
+            <a:ext cx="5438140" cy="4443413"/>
           </a:xfrm>
           <a:prstGeom prst="rect">
             <a:avLst/>
@@ -1554,8 +1554,8 @@
         </p:nvSpPr>
         <p:spPr>
           <a:xfrm>
-            <a:off x="0" y="8685213"/>
-            <a:ext cx="2971800" cy="457200"/>
+            <a:off x="0" y="9378824"/>
+            <a:ext cx="2945659" cy="493713"/>
           </a:xfrm>
           <a:prstGeom prst="rect">
             <a:avLst/>
@@ -1585,8 +1585,8 @@
         </p:nvSpPr>
         <p:spPr>
           <a:xfrm>
-            <a:off x="3884613" y="8685213"/>
-            <a:ext cx="2971800" cy="457200"/>
+            <a:off x="3850443" y="9378824"/>
+            <a:ext cx="2945659" cy="493713"/>
           </a:xfrm>
           <a:prstGeom prst="rect">
             <a:avLst/>
@@ -5052,11 +5052,7 @@
           <a:p>
             <a:r>
               <a:rPr lang="ru-RU" b="1" dirty="0" smtClean="0"/>
-              <a:t>Функцию критерия расхода </a:t>
-            </a:r>
-            <a:r>
-              <a:rPr lang="ru-RU" b="1" dirty="0" smtClean="0"/>
-              <a:t>газа (К1) </a:t>
+              <a:t>Функцию критерия расхода газа (К1) </a:t>
             </a:r>
             <a:r>
               <a:rPr lang="ru-RU" dirty="0" smtClean="0"/>
@@ -5331,8 +5327,8 @@
           </p:sp>
         </mc:Fallback>
       </mc:AlternateContent>
-      <mc:AlternateContent xmlns:mc="http://schemas.openxmlformats.org/markup-compatibility/2006">
-        <mc:Choice xmlns:a14="http://schemas.microsoft.com/office/drawing/2010/main" Requires="a14">
+      <mc:AlternateContent xmlns:mc="http://schemas.openxmlformats.org/markup-compatibility/2006" xmlns:a14="http://schemas.microsoft.com/office/drawing/2010/main">
+        <mc:Choice Requires="a14">
           <p:sp>
             <p:nvSpPr>
               <p:cNvPr id="7" name="Прямоугольник 6"/>
@@ -5654,7 +5650,7 @@
             </p:txBody>
           </p:sp>
         </mc:Choice>
-        <mc:Fallback>
+        <mc:Fallback xmlns="">
           <p:sp>
             <p:nvSpPr>
               <p:cNvPr id="7" name="Прямоугольник 6"/>
@@ -5830,11 +5826,7 @@
           <a:p>
             <a:r>
               <a:rPr lang="ru-RU" b="1" dirty="0" smtClean="0"/>
-              <a:t>Функцию критерия расхода </a:t>
-            </a:r>
-            <a:r>
-              <a:rPr lang="ru-RU" b="1" dirty="0" smtClean="0"/>
-              <a:t>мазута (К2) </a:t>
+              <a:t>Функцию критерия расхода мазута (К2) </a:t>
             </a:r>
             <a:r>
               <a:rPr lang="ru-RU" dirty="0" smtClean="0"/>
@@ -5847,8 +5839,8 @@
           </a:p>
         </p:txBody>
       </p:sp>
-      <mc:AlternateContent xmlns:mc="http://schemas.openxmlformats.org/markup-compatibility/2006">
-        <mc:Choice xmlns:a14="http://schemas.microsoft.com/office/drawing/2010/main" Requires="a14">
+      <mc:AlternateContent xmlns:mc="http://schemas.openxmlformats.org/markup-compatibility/2006" xmlns:a14="http://schemas.microsoft.com/office/drawing/2010/main">
+        <mc:Choice Requires="a14">
           <p:sp>
             <p:nvSpPr>
               <p:cNvPr id="7" name="Прямоугольник 6"/>
@@ -6176,7 +6168,7 @@
             </p:txBody>
           </p:sp>
         </mc:Choice>
-        <mc:Fallback>
+        <mc:Fallback xmlns="">
           <p:sp>
             <p:nvSpPr>
               <p:cNvPr id="7" name="Прямоугольник 6"/>
@@ -6614,11 +6606,7 @@
           <a:p>
             <a:r>
               <a:rPr lang="ru-RU" b="1" dirty="0" smtClean="0"/>
-              <a:t>Функцию критерия финансовых затрат на используемое </a:t>
-            </a:r>
-            <a:r>
-              <a:rPr lang="ru-RU" b="1" dirty="0" smtClean="0"/>
-              <a:t>топливо (К3) </a:t>
+              <a:t>Функцию критерия финансовых затрат на используемое топливо (К3) </a:t>
             </a:r>
             <a:r>
               <a:rPr lang="ru-RU" dirty="0" smtClean="0"/>
@@ -7041,8 +7029,8 @@
           </p:sp>
         </mc:Fallback>
       </mc:AlternateContent>
-      <mc:AlternateContent xmlns:mc="http://schemas.openxmlformats.org/markup-compatibility/2006">
-        <mc:Choice xmlns:a14="http://schemas.microsoft.com/office/drawing/2010/main" Requires="a14">
+      <mc:AlternateContent xmlns:mc="http://schemas.openxmlformats.org/markup-compatibility/2006" xmlns:a14="http://schemas.microsoft.com/office/drawing/2010/main">
+        <mc:Choice Requires="a14">
           <p:sp>
             <p:nvSpPr>
               <p:cNvPr id="9" name="Прямоугольник 8"/>
@@ -7730,7 +7718,7 @@
             </p:txBody>
           </p:sp>
         </mc:Choice>
-        <mc:Fallback>
+        <mc:Fallback xmlns="">
           <p:sp>
             <p:nvSpPr>
               <p:cNvPr id="9" name="Прямоугольник 8"/>
@@ -7906,11 +7894,7 @@
           <a:p>
             <a:r>
               <a:rPr lang="ru-RU" b="1" dirty="0" smtClean="0"/>
-              <a:t>Функцию критерия КПД  группы котлоагрегатов </a:t>
-            </a:r>
-            <a:r>
-              <a:rPr lang="ru-RU" b="1" dirty="0" smtClean="0"/>
-              <a:t>(К4) </a:t>
+              <a:t>Функцию критерия КПД  группы котлоагрегатов (К4) </a:t>
             </a:r>
             <a:r>
               <a:rPr lang="ru-RU" dirty="0" smtClean="0"/>
@@ -7923,8 +7907,8 @@
           </a:p>
         </p:txBody>
       </p:sp>
-      <mc:AlternateContent xmlns:mc="http://schemas.openxmlformats.org/markup-compatibility/2006">
-        <mc:Choice xmlns:a14="http://schemas.microsoft.com/office/drawing/2010/main" Requires="a14">
+      <mc:AlternateContent xmlns:mc="http://schemas.openxmlformats.org/markup-compatibility/2006" xmlns:a14="http://schemas.microsoft.com/office/drawing/2010/main">
+        <mc:Choice Requires="a14">
           <p:sp>
             <p:nvSpPr>
               <p:cNvPr id="9" name="Прямоугольник 8"/>
@@ -8309,7 +8293,7 @@
             </p:txBody>
           </p:sp>
         </mc:Choice>
-        <mc:Fallback>
+        <mc:Fallback xmlns="">
           <p:sp>
             <p:nvSpPr>
               <p:cNvPr id="9" name="Прямоугольник 8"/>
@@ -10647,8 +10631,8 @@
           </p:sp>
         </mc:Fallback>
       </mc:AlternateContent>
-      <mc:AlternateContent xmlns:mc="http://schemas.openxmlformats.org/markup-compatibility/2006">
-        <mc:Choice xmlns:a14="http://schemas.microsoft.com/office/drawing/2010/main" Requires="a14">
+      <mc:AlternateContent xmlns:mc="http://schemas.openxmlformats.org/markup-compatibility/2006" xmlns:a14="http://schemas.microsoft.com/office/drawing/2010/main">
+        <mc:Choice Requires="a14">
           <p:sp>
             <p:nvSpPr>
               <p:cNvPr id="3" name="Прямоугольник 2"/>
@@ -10670,6 +10654,7 @@
               </a:bodyPr>
               <a:lstStyle/>
               <a:p>
+                <a:pPr/>
                 <a14:m>
                   <m:oMathPara xmlns:m="http://schemas.openxmlformats.org/officeDocument/2006/math">
                     <m:oMathParaPr>
@@ -10677,67 +10662,99 @@
                     </m:oMathParaPr>
                     <m:oMath xmlns:m="http://schemas.openxmlformats.org/officeDocument/2006/math">
                       <m:r>
-                        <a:rPr lang="en-US" sz="2400" b="1" i="1"/>
+                        <a:rPr lang="en-US" sz="2400" b="1" i="1">
+                          <a:latin typeface="Cambria Math"/>
+                        </a:rPr>
                         <m:t>𝑭</m:t>
                       </m:r>
                       <m:r>
-                        <a:rPr lang="en-US" sz="2400" b="1" i="1"/>
+                        <a:rPr lang="en-US" sz="2400" b="1" i="1">
+                          <a:latin typeface="Cambria Math"/>
+                        </a:rPr>
                         <m:t>=</m:t>
                       </m:r>
                       <m:r>
-                        <a:rPr lang="en-US" sz="2400" b="1" i="1"/>
+                        <a:rPr lang="en-US" sz="2400" b="1" i="1">
+                          <a:latin typeface="Cambria Math"/>
+                        </a:rPr>
                         <m:t>𝑲</m:t>
                       </m:r>
                       <m:r>
-                        <a:rPr lang="en-US" sz="2400" b="1" i="1"/>
+                        <a:rPr lang="en-US" sz="2400" b="1" i="1">
+                          <a:latin typeface="Cambria Math"/>
+                        </a:rPr>
                         <m:t>𝟏</m:t>
                       </m:r>
                       <m:r>
-                        <a:rPr lang="en-US" sz="2400" b="1" i="1"/>
+                        <a:rPr lang="en-US" sz="2400" b="1" i="1">
+                          <a:latin typeface="Cambria Math"/>
+                        </a:rPr>
                         <m:t>+</m:t>
                       </m:r>
                       <m:r>
-                        <a:rPr lang="en-US" sz="2400" b="1" i="1"/>
+                        <a:rPr lang="en-US" sz="2400" b="1" i="1">
+                          <a:latin typeface="Cambria Math"/>
+                        </a:rPr>
                         <m:t>𝑲</m:t>
                       </m:r>
                       <m:r>
-                        <a:rPr lang="en-US" sz="2400" b="1" i="1"/>
+                        <a:rPr lang="en-US" sz="2400" b="1" i="1">
+                          <a:latin typeface="Cambria Math"/>
+                        </a:rPr>
                         <m:t>𝟐</m:t>
                       </m:r>
                       <m:r>
-                        <a:rPr lang="en-US" sz="2400" b="1" i="1"/>
+                        <a:rPr lang="en-US" sz="2400" b="1" i="1">
+                          <a:latin typeface="Cambria Math"/>
+                        </a:rPr>
                         <m:t>+</m:t>
                       </m:r>
                       <m:r>
-                        <a:rPr lang="en-US" sz="2400" b="1" i="1"/>
+                        <a:rPr lang="en-US" sz="2400" b="1" i="1">
+                          <a:latin typeface="Cambria Math"/>
+                        </a:rPr>
                         <m:t>𝑲</m:t>
                       </m:r>
                       <m:r>
-                        <a:rPr lang="en-US" sz="2400" b="1" i="1"/>
+                        <a:rPr lang="en-US" sz="2400" b="1" i="1">
+                          <a:latin typeface="Cambria Math"/>
+                        </a:rPr>
                         <m:t>𝟑</m:t>
                       </m:r>
                       <m:r>
-                        <a:rPr lang="en-US" sz="2400" b="1" i="1"/>
+                        <a:rPr lang="en-US" sz="2400" b="1" i="1">
+                          <a:latin typeface="Cambria Math"/>
+                        </a:rPr>
                         <m:t>−</m:t>
                       </m:r>
                       <m:r>
-                        <a:rPr lang="en-US" sz="2400" b="1" i="1"/>
+                        <a:rPr lang="en-US" sz="2400" b="1" i="1">
+                          <a:latin typeface="Cambria Math"/>
+                        </a:rPr>
                         <m:t>𝑲</m:t>
                       </m:r>
                       <m:r>
-                        <a:rPr lang="en-US" sz="2400" b="1" i="1"/>
+                        <a:rPr lang="en-US" sz="2400" b="1" i="1">
+                          <a:latin typeface="Cambria Math"/>
+                        </a:rPr>
                         <m:t>𝟒</m:t>
                       </m:r>
                       <m:r>
-                        <a:rPr lang="en-US" sz="2400" b="1" i="1"/>
+                        <a:rPr lang="en-US" sz="2400" b="1" i="1">
+                          <a:latin typeface="Cambria Math"/>
+                        </a:rPr>
                         <m:t>→</m:t>
                       </m:r>
                       <m:r>
-                        <a:rPr lang="en-US" sz="2400" b="1" i="1"/>
+                        <a:rPr lang="en-US" sz="2400" b="1" i="1">
+                          <a:latin typeface="Cambria Math"/>
+                        </a:rPr>
                         <m:t>𝒎𝒊𝒏</m:t>
                       </m:r>
                       <m:r>
-                        <a:rPr lang="en-US" sz="2400" b="1" i="1"/>
+                        <a:rPr lang="en-US" sz="2400" b="1" i="1">
+                          <a:latin typeface="Cambria Math"/>
+                        </a:rPr>
                         <m:t>;</m:t>
                       </m:r>
                     </m:oMath>
@@ -10748,7 +10765,7 @@
             </p:txBody>
           </p:sp>
         </mc:Choice>
-        <mc:Fallback>
+        <mc:Fallback xmlns="">
           <p:sp>
             <p:nvSpPr>
               <p:cNvPr id="3" name="Прямоугольник 2"/>
@@ -10949,11 +10966,7 @@
             <a:pPr algn="just"/>
             <a:r>
               <a:rPr lang="ru-RU" sz="2000" i="1" dirty="0" smtClean="0"/>
-              <a:t>Разработанный </a:t>
-            </a:r>
-            <a:r>
-              <a:rPr lang="ru-RU" sz="2000" i="1" dirty="0" smtClean="0"/>
-              <a:t>метод состоит из двух шагов:</a:t>
+              <a:t>Разработанный метод состоит из двух шагов:</a:t>
             </a:r>
           </a:p>
           <a:p>
@@ -11142,11 +11155,7 @@
             </a:r>
             <a:r>
               <a:rPr lang="ru-RU" sz="2000" i="1" dirty="0" smtClean="0"/>
-              <a:t>Каждый </a:t>
-            </a:r>
-            <a:r>
-              <a:rPr lang="ru-RU" sz="2000" i="1" dirty="0" smtClean="0"/>
-              <a:t>из </a:t>
+              <a:t>Каждый из </a:t>
             </a:r>
             <a:r>
               <a:rPr lang="en-US" sz="2000" i="1" dirty="0" smtClean="0"/>
@@ -11223,11 +11232,7 @@
             <a:pPr algn="just"/>
             <a:r>
               <a:rPr lang="ru-RU" sz="2000" dirty="0" smtClean="0"/>
-              <a:t>	Для </a:t>
-            </a:r>
-            <a:r>
-              <a:rPr lang="ru-RU" sz="2000" dirty="0" smtClean="0"/>
-              <a:t>каждой из комбинаций проверяется, может ли она обеспечить выполнение </a:t>
+              <a:t>	Для каждой из комбинаций проверяется, может ли она обеспечить выполнение </a:t>
             </a:r>
             <a:r>
               <a:rPr lang="ru-RU" sz="2000" dirty="0"/>
@@ -11588,8 +11593,8 @@
           </a:p>
         </p:txBody>
       </p:sp>
-      <mc:AlternateContent xmlns:mc="http://schemas.openxmlformats.org/markup-compatibility/2006">
-        <mc:Choice xmlns:a14="http://schemas.microsoft.com/office/drawing/2010/main" Requires="a14">
+      <mc:AlternateContent xmlns:mc="http://schemas.openxmlformats.org/markup-compatibility/2006" xmlns:a14="http://schemas.microsoft.com/office/drawing/2010/main">
+        <mc:Choice Requires="a14">
           <p:sp>
             <p:nvSpPr>
               <p:cNvPr id="5" name="Прямоугольник 4"/>
@@ -11625,11 +11630,7 @@
                 </a:r>
                 <a:r>
                   <a:rPr lang="ru-RU" sz="2000" dirty="0" smtClean="0"/>
-                  <a:t>комбинации заданному ограничению – проведение «локальной» </a:t>
-                </a:r>
-                <a:r>
-                  <a:rPr lang="ru-RU" sz="2000" dirty="0" smtClean="0"/>
-                  <a:t>оптимизации с помощью метода прямых выборочных процедур с уменьшением интервала поиска. </a:t>
+                  <a:t>комбинации заданному ограничению – проведение «локальной» оптимизации с помощью метода прямых выборочных процедур с уменьшением интервала поиска. </a:t>
                 </a:r>
               </a:p>
               <a:p>
@@ -11639,15 +11640,7 @@
                 </a:pPr>
                 <a:r>
                   <a:rPr lang="ru-RU" sz="2000" dirty="0" smtClean="0"/>
-                  <a:t>В </a:t>
-                </a:r>
-                <a:r>
-                  <a:rPr lang="ru-RU" sz="2000" dirty="0" smtClean="0"/>
-                  <a:t>противном случае комбинация не рассматривается</a:t>
-                </a:r>
-                <a:r>
-                  <a:rPr lang="ru-RU" sz="2000" dirty="0" smtClean="0"/>
-                  <a:t>.</a:t>
+                  <a:t>В противном случае комбинация не рассматривается.</a:t>
                 </a:r>
                 <a:endParaRPr lang="ru-RU" sz="2000" dirty="0"/>
               </a:p>
@@ -12053,7 +12046,7 @@
             </p:txBody>
           </p:sp>
         </mc:Choice>
-        <mc:Fallback>
+        <mc:Fallback xmlns="">
           <p:sp>
             <p:nvSpPr>
               <p:cNvPr id="5" name="Прямоугольник 4"/>
@@ -12205,8 +12198,8 @@
           </a:p>
         </p:txBody>
       </p:sp>
-      <mc:AlternateContent xmlns:mc="http://schemas.openxmlformats.org/markup-compatibility/2006" xmlns:a14="http://schemas.microsoft.com/office/drawing/2010/main">
-        <mc:Choice Requires="a14">
+      <mc:AlternateContent xmlns:mc="http://schemas.openxmlformats.org/markup-compatibility/2006">
+        <mc:Choice xmlns:a14="http://schemas.microsoft.com/office/drawing/2010/main" Requires="a14">
           <p:sp>
             <p:nvSpPr>
               <p:cNvPr id="5" name="TextBox 4"/>
@@ -12216,7 +12209,7 @@
             <p:spPr>
               <a:xfrm>
                 <a:off x="395536" y="1556792"/>
-                <a:ext cx="8280920" cy="4586961"/>
+                <a:ext cx="8280920" cy="4330737"/>
               </a:xfrm>
               <a:prstGeom prst="rect">
                 <a:avLst/>
@@ -12235,13 +12228,13 @@
                   <a:t>	</a:t>
                 </a:r>
                 <a:r>
-                  <a:rPr lang="ru-RU" sz="2200" dirty="0" smtClean="0"/>
+                  <a:rPr lang="ru-RU" sz="2000" dirty="0" smtClean="0"/>
                   <a:t>Оптимизация с помощью метода прямых выборочных процедур с уменьшением интервала поиска.</a:t>
                 </a:r>
               </a:p>
               <a:p>
                 <a:pPr algn="just"/>
-                <a:endParaRPr lang="ru-RU" sz="2200" dirty="0" smtClean="0"/>
+                <a:endParaRPr lang="ru-RU" sz="2000" dirty="0" smtClean="0"/>
               </a:p>
               <a:p>
                 <a:pPr algn="just"/>
@@ -12250,14 +12243,14 @@
                     <m:sSub>
                       <m:sSubPr>
                         <m:ctrlPr>
-                          <a:rPr lang="ru-RU" sz="2200" i="1">
+                          <a:rPr lang="ru-RU" sz="2000" i="1">
                             <a:latin typeface="Cambria Math"/>
                           </a:rPr>
                         </m:ctrlPr>
                       </m:sSubPr>
                       <m:e>
                         <m:r>
-                          <a:rPr lang="en-US" sz="2200" i="1">
+                          <a:rPr lang="en-US" sz="2000" i="1">
                             <a:latin typeface="Cambria Math"/>
                           </a:rPr>
                           <m:t>𝐷</m:t>
@@ -12265,7 +12258,7 @@
                       </m:e>
                       <m:sub>
                         <m:r>
-                          <a:rPr lang="en-US" sz="2200" i="1">
+                          <a:rPr lang="en-US" sz="2000" i="1">
                             <a:latin typeface="Cambria Math"/>
                           </a:rPr>
                           <m:t>𝐾</m:t>
@@ -12275,35 +12268,35 @@
                   </m:oMath>
                 </a14:m>
                 <a:r>
-                  <a:rPr lang="ru-RU" sz="2200" dirty="0"/>
+                  <a:rPr lang="ru-RU" sz="2000" dirty="0"/>
                   <a:t> – суммарная паропроизводительность, которую должна обеспечивать очередь </a:t>
                 </a:r>
                 <a:r>
-                  <a:rPr lang="ru-RU" sz="2200" dirty="0" smtClean="0"/>
+                  <a:rPr lang="ru-RU" sz="2000" dirty="0" smtClean="0"/>
                   <a:t>котлоагрегатов.</a:t>
                 </a:r>
-                <a:endParaRPr lang="ru-RU" sz="2200" dirty="0"/>
+                <a:endParaRPr lang="ru-RU" sz="2000" dirty="0"/>
               </a:p>
               <a:p>
                 <a:pPr algn="just"/>
-                <a:endParaRPr lang="ru-RU" sz="2200" dirty="0"/>
+                <a:endParaRPr lang="ru-RU" sz="2000" dirty="0"/>
               </a:p>
               <a:p>
                 <a:pPr algn="just"/>
                 <a:r>
-                  <a:rPr lang="ru-RU" sz="2200" dirty="0" smtClean="0"/>
+                  <a:rPr lang="ru-RU" sz="2000" dirty="0" smtClean="0"/>
                   <a:t>	Необходимо определить </a:t>
                 </a:r>
                 <a:r>
-                  <a:rPr lang="en-US" sz="2200" i="1" dirty="0" smtClean="0"/>
+                  <a:rPr lang="en-US" sz="2000" i="1" dirty="0" smtClean="0"/>
                   <a:t>n-1</a:t>
                 </a:r>
                 <a:r>
-                  <a:rPr lang="en-US" sz="2200" dirty="0" smtClean="0"/>
+                  <a:rPr lang="en-US" sz="2000" dirty="0" smtClean="0"/>
                   <a:t> </a:t>
                 </a:r>
                 <a:r>
-                  <a:rPr lang="ru-RU" sz="2200" dirty="0" smtClean="0"/>
+                  <a:rPr lang="ru-RU" sz="2000" dirty="0" smtClean="0"/>
                   <a:t>переменных </a:t>
                 </a:r>
                 <a14:m>
@@ -12311,14 +12304,14 @@
                     <m:sSub>
                       <m:sSubPr>
                         <m:ctrlPr>
-                          <a:rPr lang="ru-RU" sz="2200" i="1">
+                          <a:rPr lang="ru-RU" sz="2000" i="1">
                             <a:latin typeface="Cambria Math"/>
                           </a:rPr>
                         </m:ctrlPr>
                       </m:sSubPr>
                       <m:e>
                         <m:r>
-                          <a:rPr lang="ru-RU" sz="2200" i="1">
+                          <a:rPr lang="ru-RU" sz="2000" i="1">
                             <a:latin typeface="Cambria Math"/>
                           </a:rPr>
                           <m:t>𝐷</m:t>
@@ -12326,7 +12319,7 @@
                       </m:e>
                       <m:sub>
                         <m:r>
-                          <a:rPr lang="ru-RU" sz="2200" i="1">
+                          <a:rPr lang="ru-RU" sz="2000" i="1">
                             <a:latin typeface="Cambria Math"/>
                           </a:rPr>
                           <m:t>𝐾𝑖</m:t>
@@ -12336,15 +12329,15 @@
                   </m:oMath>
                 </a14:m>
                 <a:r>
-                  <a:rPr lang="ru-RU" sz="2200" dirty="0" smtClean="0"/>
+                  <a:rPr lang="ru-RU" sz="2000" dirty="0" smtClean="0"/>
                   <a:t>, где </a:t>
                 </a:r>
                 <a:r>
-                  <a:rPr lang="en-US" sz="2200" dirty="0" smtClean="0"/>
+                  <a:rPr lang="en-US" sz="2000" dirty="0" smtClean="0"/>
                   <a:t>n – </a:t>
                 </a:r>
                 <a:r>
-                  <a:rPr lang="ru-RU" sz="2200" dirty="0" smtClean="0"/>
+                  <a:rPr lang="ru-RU" sz="2000" dirty="0" smtClean="0"/>
                   <a:t>количество котлоагрегатов в очереди. Переменная </a:t>
                 </a:r>
                 <a14:m>
@@ -12352,14 +12345,14 @@
                     <m:sSub>
                       <m:sSubPr>
                         <m:ctrlPr>
-                          <a:rPr lang="ru-RU" sz="2200" i="1">
+                          <a:rPr lang="ru-RU" sz="2000" i="1">
                             <a:latin typeface="Cambria Math"/>
                           </a:rPr>
                         </m:ctrlPr>
                       </m:sSubPr>
                       <m:e>
                         <m:r>
-                          <a:rPr lang="ru-RU" sz="2200" i="1">
+                          <a:rPr lang="ru-RU" sz="2000" i="1">
                             <a:latin typeface="Cambria Math"/>
                           </a:rPr>
                           <m:t>𝐷</m:t>
@@ -12367,13 +12360,13 @@
                       </m:e>
                       <m:sub>
                         <m:r>
-                          <a:rPr lang="ru-RU" sz="2200" i="1">
+                          <a:rPr lang="ru-RU" sz="2000" i="1">
                             <a:latin typeface="Cambria Math"/>
                           </a:rPr>
                           <m:t>𝐾</m:t>
                         </m:r>
                         <m:r>
-                          <a:rPr lang="en-US" sz="2200" i="1">
+                          <a:rPr lang="en-US" sz="2000" i="1">
                             <a:latin typeface="Cambria Math"/>
                           </a:rPr>
                           <m:t>𝑛</m:t>
@@ -12383,7 +12376,7 @@
                   </m:oMath>
                 </a14:m>
                 <a:r>
-                  <a:rPr lang="ru-RU" sz="2200" dirty="0" smtClean="0"/>
+                  <a:rPr lang="ru-RU" sz="2000" dirty="0" smtClean="0"/>
                   <a:t> определяется из соотношения:</a:t>
                 </a:r>
               </a:p>
@@ -12546,7 +12539,7 @@
             </p:txBody>
           </p:sp>
         </mc:Choice>
-        <mc:Fallback xmlns="">
+        <mc:Fallback>
           <p:sp>
             <p:nvSpPr>
               <p:cNvPr id="5" name="TextBox 4"/>
@@ -12558,7 +12551,7 @@
             <p:spPr>
               <a:xfrm>
                 <a:off x="395536" y="1556792"/>
-                <a:ext cx="8280920" cy="4586961"/>
+                <a:ext cx="8280920" cy="4330737"/>
               </a:xfrm>
               <a:prstGeom prst="rect">
                 <a:avLst/>
@@ -12566,7 +12559,7 @@
               <a:blipFill rotWithShape="1">
                 <a:blip r:embed="rId2"/>
                 <a:stretch>
-                  <a:fillRect l="-957" t="-266" r="-957"/>
+                  <a:fillRect l="-810" r="-736"/>
                 </a:stretch>
               </a:blipFill>
             </p:spPr>
@@ -13950,23 +13943,7 @@
             </a:r>
             <a:r>
               <a:rPr lang="ru-RU" sz="3400" dirty="0" smtClean="0"/>
-              <a:t>разработка метода </a:t>
-            </a:r>
-            <a:r>
-              <a:rPr lang="ru-RU" sz="3400" dirty="0" smtClean="0"/>
-              <a:t>многокритериальной </a:t>
-            </a:r>
-            <a:r>
-              <a:rPr lang="ru-RU" sz="3400" dirty="0" smtClean="0"/>
-              <a:t>оптимизации режимов работы котельного отделения электростанции </a:t>
-            </a:r>
-            <a:r>
-              <a:rPr lang="ru-RU" sz="3400" dirty="0" smtClean="0"/>
-              <a:t>и его исследование на </a:t>
-            </a:r>
-            <a:r>
-              <a:rPr lang="ru-RU" sz="3400" dirty="0" smtClean="0"/>
-              <a:t>примере котельного отделения ТЭЦ-20 Мосэнерго .</a:t>
+              <a:t>разработка метода многокритериальной оптимизации режимов работы котельного отделения электростанции и его исследование на примере котельного отделения ТЭЦ-20 Мосэнерго .</a:t>
             </a:r>
             <a:endParaRPr lang="ru-RU" sz="3400" dirty="0" smtClean="0">
               <a:solidFill>
@@ -14010,7 +13987,6 @@
               <a:rPr lang="ru-RU" sz="3400" dirty="0" smtClean="0"/>
               <a:t>Анализ существующих алгоритмов оптимизации и выбор одного из них для реализации;</a:t>
             </a:r>
-            <a:endParaRPr lang="ru-RU" sz="3400" dirty="0" smtClean="0"/>
           </a:p>
           <a:p>
             <a:pPr marL="514350" indent="-514350" algn="just">
@@ -14019,21 +13995,8 @@
             </a:pPr>
             <a:r>
               <a:rPr lang="ru-RU" sz="3400" dirty="0" smtClean="0"/>
-              <a:t>Выделение </a:t>
-            </a:r>
-            <a:r>
-              <a:rPr lang="ru-RU" sz="3400" dirty="0" smtClean="0"/>
-              <a:t>параметров и ограничений, </a:t>
-            </a:r>
-            <a:r>
-              <a:rPr lang="ru-RU" sz="3400" dirty="0" smtClean="0"/>
-              <a:t>необходимых для построения математической </a:t>
-            </a:r>
-            <a:r>
-              <a:rPr lang="ru-RU" sz="3400" dirty="0" smtClean="0"/>
-              <a:t>модели;</a:t>
-            </a:r>
-            <a:endParaRPr lang="ru-RU" sz="3400" dirty="0" smtClean="0"/>
+              <a:t>Выделение параметров и ограничений, необходимых для построения математической модели;</a:t>
+            </a:r>
           </a:p>
           <a:p>
             <a:pPr marL="514350" indent="-514350" algn="just">
@@ -14042,17 +14005,8 @@
             </a:pPr>
             <a:r>
               <a:rPr lang="ru-RU" sz="3400" dirty="0" smtClean="0"/>
-              <a:t>Формулирование используемых </a:t>
-            </a:r>
-            <a:r>
-              <a:rPr lang="ru-RU" sz="3400" dirty="0" smtClean="0"/>
-              <a:t>критериев </a:t>
-            </a:r>
-            <a:r>
-              <a:rPr lang="ru-RU" sz="3400" dirty="0" smtClean="0"/>
-              <a:t>оптимизации;</a:t>
-            </a:r>
-            <a:endParaRPr lang="ru-RU" sz="3400" dirty="0" smtClean="0"/>
+              <a:t>Формулирование используемых критериев оптимизации;</a:t>
+            </a:r>
           </a:p>
           <a:p>
             <a:pPr marL="514350" indent="-514350" algn="just">
@@ -14061,13 +14015,8 @@
             </a:pPr>
             <a:r>
               <a:rPr lang="ru-RU" sz="3400" dirty="0" smtClean="0"/>
-              <a:t>Формулирование целевой функции многокритериальной </a:t>
-            </a:r>
-            <a:r>
-              <a:rPr lang="ru-RU" sz="3400" dirty="0" smtClean="0"/>
-              <a:t>оптимизации;</a:t>
-            </a:r>
-            <a:endParaRPr lang="ru-RU" sz="3400" dirty="0" smtClean="0"/>
+              <a:t>Формулирование целевой функции многокритериальной оптимизации;</a:t>
+            </a:r>
           </a:p>
           <a:p>
             <a:pPr marL="514350" indent="-514350" algn="just">
@@ -14076,13 +14025,8 @@
             </a:pPr>
             <a:r>
               <a:rPr lang="ru-RU" sz="3400" dirty="0" smtClean="0"/>
-              <a:t>Построение математической </a:t>
-            </a:r>
-            <a:r>
-              <a:rPr lang="ru-RU" sz="3400" dirty="0" smtClean="0"/>
-              <a:t>модели;</a:t>
-            </a:r>
-            <a:endParaRPr lang="ru-RU" sz="3400" dirty="0" smtClean="0"/>
+              <a:t>Построение математической модели;</a:t>
+            </a:r>
           </a:p>
           <a:p>
             <a:pPr marL="514350" indent="-514350" algn="just">
@@ -14091,13 +14035,8 @@
             </a:pPr>
             <a:r>
               <a:rPr lang="ru-RU" sz="3400" dirty="0" smtClean="0"/>
-              <a:t>Разработка метода многокритериальной </a:t>
-            </a:r>
-            <a:r>
-              <a:rPr lang="ru-RU" sz="3400" dirty="0" smtClean="0"/>
-              <a:t>оптимизации;</a:t>
-            </a:r>
-            <a:endParaRPr lang="ru-RU" sz="3400" dirty="0" smtClean="0"/>
+              <a:t>Разработка метода многокритериальной оптимизации;</a:t>
+            </a:r>
           </a:p>
           <a:p>
             <a:pPr marL="514350" indent="-514350" algn="just">
@@ -14106,11 +14045,7 @@
             </a:pPr>
             <a:r>
               <a:rPr lang="ru-RU" sz="3400" dirty="0" smtClean="0"/>
-              <a:t>Разработка </a:t>
-            </a:r>
-            <a:r>
-              <a:rPr lang="ru-RU" sz="3400" dirty="0" smtClean="0"/>
-              <a:t>программного продукта на основе данного метода;</a:t>
+              <a:t>Разработка программного продукта на основе данного метода;</a:t>
             </a:r>
             <a:endParaRPr lang="en-US" sz="3400" dirty="0" smtClean="0"/>
           </a:p>
@@ -14260,7 +14195,7 @@
           <a:graphicData uri="http://schemas.openxmlformats.org/presentationml/2006/ole">
             <mc:AlternateContent xmlns:mc="http://schemas.openxmlformats.org/markup-compatibility/2006">
               <mc:Choice xmlns:v="urn:schemas-microsoft-com:vml" Requires="v">
-                <p:oleObj spid="_x0000_s1090" name="Visio" r:id="rId3" imgW="6853259" imgH="8759885" progId="Visio.Drawing.11">
+                <p:oleObj spid="_x0000_s1105" name="Visio" r:id="rId3" imgW="6853259" imgH="8759885" progId="Visio.Drawing.11">
                   <p:embed/>
                 </p:oleObj>
               </mc:Choice>
@@ -14332,6 +14267,35 @@
               <a:t>Выбор начальных решений</a:t>
             </a:r>
             <a:endParaRPr lang="ru-RU" dirty="0"/>
+          </a:p>
+        </p:txBody>
+      </p:sp>
+      <p:sp>
+        <p:nvSpPr>
+          <p:cNvPr id="2" name="Rectangle 1"/>
+          <p:cNvSpPr/>
+          <p:nvPr/>
+        </p:nvSpPr>
+        <p:spPr>
+          <a:xfrm>
+            <a:off x="4427984" y="6284357"/>
+            <a:ext cx="4176464" cy="338554"/>
+          </a:xfrm>
+          <a:prstGeom prst="rect">
+            <a:avLst/>
+          </a:prstGeom>
+        </p:spPr>
+        <p:txBody>
+          <a:bodyPr wrap="square">
+            <a:spAutoFit/>
+          </a:bodyPr>
+          <a:lstStyle/>
+          <a:p>
+            <a:r>
+              <a:rPr lang="ru-RU" sz="1600" dirty="0" smtClean="0"/>
+              <a:t>Рис.1 Алгоритм выбора начальных решений</a:t>
+            </a:r>
+            <a:endParaRPr lang="ru-RU" sz="1600" dirty="0"/>
           </a:p>
         </p:txBody>
       </p:sp>
@@ -16489,7 +16453,7 @@
               <a:rPr lang="ru-RU" smtClean="0"/>
               <a:t>24</a:t>
             </a:fld>
-            <a:endParaRPr lang="ru-RU"/>
+            <a:endParaRPr lang="ru-RU" dirty="0"/>
           </a:p>
         </p:txBody>
       </p:sp>
@@ -17335,7 +17299,7 @@
           <a:graphicData uri="http://schemas.openxmlformats.org/presentationml/2006/ole">
             <mc:AlternateContent xmlns:mc="http://schemas.openxmlformats.org/markup-compatibility/2006">
               <mc:Choice xmlns:v="urn:schemas-microsoft-com:vml" Requires="v">
-                <p:oleObj spid="_x0000_s2105" name="Visio" r:id="rId6" imgW="3802117" imgH="4529755" progId="Visio.Drawing.11">
+                <p:oleObj spid="_x0000_s2120" name="Visio" r:id="rId6" imgW="3802117" imgH="4529755" progId="Visio.Drawing.11">
                   <p:embed/>
                 </p:oleObj>
               </mc:Choice>
@@ -17380,6 +17344,35 @@
           </a:graphicData>
         </a:graphic>
       </p:graphicFrame>
+      <p:sp>
+        <p:nvSpPr>
+          <p:cNvPr id="12" name="Rectangle 11"/>
+          <p:cNvSpPr/>
+          <p:nvPr/>
+        </p:nvSpPr>
+        <p:spPr>
+          <a:xfrm>
+            <a:off x="4396008" y="6453634"/>
+            <a:ext cx="4176464" cy="338554"/>
+          </a:xfrm>
+          <a:prstGeom prst="rect">
+            <a:avLst/>
+          </a:prstGeom>
+        </p:spPr>
+        <p:txBody>
+          <a:bodyPr wrap="square">
+            <a:spAutoFit/>
+          </a:bodyPr>
+          <a:lstStyle/>
+          <a:p>
+            <a:r>
+              <a:rPr lang="ru-RU" sz="1600" dirty="0" smtClean="0"/>
+              <a:t>Рис.2 Алгоритм сужения множества Парето</a:t>
+            </a:r>
+            <a:endParaRPr lang="ru-RU" sz="1600" dirty="0"/>
+          </a:p>
+        </p:txBody>
+      </p:sp>
     </p:spTree>
     <p:extLst>
       <p:ext uri="{BB962C8B-B14F-4D97-AF65-F5344CB8AC3E}">
@@ -18656,8 +18649,12 @@
           <a:lstStyle/>
           <a:p>
             <a:r>
+              <a:rPr lang="ru-RU" dirty="0" smtClean="0"/>
+              <a:t>Рис. 3. Зависимости </a:t>
+            </a:r>
+            <a:r>
               <a:rPr lang="ru-RU" dirty="0"/>
-              <a:t>Зависимости расхода газа котлом «К4» от паровой нагрузки.</a:t>
+              <a:t>расхода газа котлом «К4» от паровой нагрузки.</a:t>
             </a:r>
           </a:p>
         </p:txBody>
@@ -18766,8 +18763,8 @@
         </p:blipFill>
         <p:spPr bwMode="auto">
           <a:xfrm>
-            <a:off x="1043608" y="1340768"/>
-            <a:ext cx="7416824" cy="4824536"/>
+            <a:off x="1043608" y="1700808"/>
+            <a:ext cx="7416824" cy="4464496"/>
           </a:xfrm>
           <a:prstGeom prst="rect">
             <a:avLst/>
@@ -18778,6 +18775,65 @@
           </a:ln>
         </p:spPr>
       </p:pic>
+      <p:sp>
+        <p:nvSpPr>
+          <p:cNvPr id="7" name="Rectangle 6"/>
+          <p:cNvSpPr/>
+          <p:nvPr/>
+        </p:nvSpPr>
+        <p:spPr>
+          <a:xfrm>
+            <a:off x="1259632" y="6165304"/>
+            <a:ext cx="4176464" cy="338554"/>
+          </a:xfrm>
+          <a:prstGeom prst="rect">
+            <a:avLst/>
+          </a:prstGeom>
+        </p:spPr>
+        <p:txBody>
+          <a:bodyPr wrap="square">
+            <a:spAutoFit/>
+          </a:bodyPr>
+          <a:lstStyle/>
+          <a:p>
+            <a:r>
+              <a:rPr lang="ru-RU" sz="1600" dirty="0" smtClean="0"/>
+              <a:t>Рис.4. Схема сравнения средних</a:t>
+            </a:r>
+            <a:endParaRPr lang="ru-RU" sz="1600" dirty="0"/>
+          </a:p>
+        </p:txBody>
+      </p:sp>
+      <p:sp>
+        <p:nvSpPr>
+          <p:cNvPr id="8" name="Прямоугольник 5"/>
+          <p:cNvSpPr/>
+          <p:nvPr/>
+        </p:nvSpPr>
+        <p:spPr>
+          <a:xfrm>
+            <a:off x="467544" y="1356197"/>
+            <a:ext cx="8136904" cy="338554"/>
+          </a:xfrm>
+          <a:prstGeom prst="rect">
+            <a:avLst/>
+          </a:prstGeom>
+        </p:spPr>
+        <p:txBody>
+          <a:bodyPr wrap="square">
+            <a:spAutoFit/>
+          </a:bodyPr>
+          <a:lstStyle/>
+          <a:p>
+            <a:pPr algn="just"/>
+            <a:r>
+              <a:rPr lang="ru-RU" sz="1600" b="1" dirty="0" smtClean="0"/>
+              <a:t>Дисперсионный анализ – исследование значимости различий в средних значениях.</a:t>
+            </a:r>
+            <a:endParaRPr lang="ru-RU" sz="1600" b="1" dirty="0"/>
+          </a:p>
+        </p:txBody>
+      </p:sp>
     </p:spTree>
     <p:extLst>
       <p:ext uri="{BB962C8B-B14F-4D97-AF65-F5344CB8AC3E}">
@@ -18861,8 +18917,8 @@
           </a:p>
         </p:txBody>
       </p:sp>
-      <mc:AlternateContent xmlns:mc="http://schemas.openxmlformats.org/markup-compatibility/2006" xmlns:a14="http://schemas.microsoft.com/office/drawing/2010/main">
-        <mc:Choice Requires="a14">
+      <mc:AlternateContent xmlns:mc="http://schemas.openxmlformats.org/markup-compatibility/2006">
+        <mc:Choice xmlns:a14="http://schemas.microsoft.com/office/drawing/2010/main" Requires="a14">
           <p:sp>
             <p:nvSpPr>
               <p:cNvPr id="7" name="Прямоугольник 6"/>
@@ -18872,7 +18928,7 @@
             <p:spPr>
               <a:xfrm>
                 <a:off x="251520" y="1340768"/>
-                <a:ext cx="8568952" cy="1182055"/>
+                <a:ext cx="8568952" cy="905056"/>
               </a:xfrm>
               <a:prstGeom prst="rect">
                 <a:avLst/>
@@ -18892,9 +18948,6 @@
                   <a:rPr lang="ru-RU" b="1" dirty="0" smtClean="0"/>
                   <a:t>-критерий Манна–Уитни:</a:t>
                 </a:r>
-              </a:p>
-              <a:p>
-                <a:endParaRPr lang="ru-RU" b="1" dirty="0"/>
               </a:p>
               <a:p>
                 <a:pPr/>
@@ -19115,7 +19168,7 @@
             </p:txBody>
           </p:sp>
         </mc:Choice>
-        <mc:Fallback xmlns="">
+        <mc:Fallback>
           <p:sp>
             <p:nvSpPr>
               <p:cNvPr id="7" name="Прямоугольник 6"/>
@@ -19127,7 +19180,7 @@
             <p:spPr>
               <a:xfrm>
                 <a:off x="251520" y="1340768"/>
-                <a:ext cx="8568952" cy="1182055"/>
+                <a:ext cx="8568952" cy="905056"/>
               </a:xfrm>
               <a:prstGeom prst="rect">
                 <a:avLst/>
@@ -19135,7 +19188,7 @@
               <a:blipFill rotWithShape="1">
                 <a:blip r:embed="rId2"/>
                 <a:stretch>
-                  <a:fillRect l="-569" t="-2577"/>
+                  <a:fillRect l="-569" t="-3378"/>
                 </a:stretch>
               </a:blipFill>
             </p:spPr>
@@ -19163,7 +19216,7 @@
           <p:nvPr>
             <p:extLst>
               <p:ext uri="{D42A27DB-BD31-4B8C-83A1-F6EECF244321}">
-                <p14:modId xmlns:p14="http://schemas.microsoft.com/office/powerpoint/2010/main" val="3984942947"/>
+                <p14:modId xmlns:p14="http://schemas.microsoft.com/office/powerpoint/2010/main" val="2428967967"/>
               </p:ext>
             </p:extLst>
           </p:nvPr>
@@ -19198,14 +19251,14 @@
                         </a:spcAft>
                       </a:pPr>
                       <a:r>
-                        <a:rPr lang="ru-RU" sz="1200" b="1">
+                        <a:rPr lang="ru-RU" sz="1200" b="1" dirty="0">
                           <a:effectLst/>
                           <a:latin typeface="Times New Roman"/>
                           <a:ea typeface="Times New Roman"/>
                         </a:rPr>
                         <a:t>№</a:t>
                       </a:r>
-                      <a:endParaRPr lang="ru-RU" sz="1400">
+                      <a:endParaRPr lang="ru-RU" sz="1400" dirty="0">
                         <a:effectLst/>
                         <a:latin typeface="Times New Roman"/>
                         <a:ea typeface="Times New Roman"/>
@@ -19265,7 +19318,7 @@
                         </a:spcAft>
                       </a:pPr>
                       <a:r>
-                        <a:rPr lang="ru-RU" sz="1200" b="1">
+                        <a:rPr lang="ru-RU" sz="1200" b="1" dirty="0">
                           <a:effectLst/>
                           <a:latin typeface="Times New Roman"/>
                           <a:ea typeface="Times New Roman"/>
@@ -19273,7 +19326,7 @@
                         <a:t>Расход газа («</a:t>
                       </a:r>
                       <a:r>
-                        <a:rPr lang="en-US" sz="1200" b="1">
+                        <a:rPr lang="en-US" sz="1200" b="1" dirty="0">
                           <a:effectLst/>
                           <a:latin typeface="Times New Roman"/>
                           <a:ea typeface="Times New Roman"/>
@@ -19281,7 +19334,7 @@
                         <a:t>I</a:t>
                       </a:r>
                       <a:r>
-                        <a:rPr lang="ru-RU" sz="1200" b="1">
+                        <a:rPr lang="ru-RU" sz="1200" b="1" dirty="0">
                           <a:effectLst/>
                           <a:latin typeface="Times New Roman"/>
                           <a:ea typeface="Times New Roman"/>
@@ -19289,7 +19342,7 @@
                         <a:t>4</a:t>
                       </a:r>
                       <a:r>
-                        <a:rPr lang="en-US" sz="1200" b="1">
+                        <a:rPr lang="en-US" sz="1200" b="1" dirty="0">
                           <a:effectLst/>
                           <a:latin typeface="Times New Roman"/>
                           <a:ea typeface="Times New Roman"/>
@@ -19297,7 +19350,7 @@
                         <a:t>Plan</a:t>
                       </a:r>
                       <a:r>
-                        <a:rPr lang="ru-RU" sz="1200" b="1">
+                        <a:rPr lang="ru-RU" sz="1200" b="1" dirty="0">
                           <a:effectLst/>
                           <a:latin typeface="Times New Roman"/>
                           <a:ea typeface="Times New Roman"/>
@@ -19305,7 +19358,7 @@
                         <a:t>»), [тыс.нм</a:t>
                       </a:r>
                       <a:r>
-                        <a:rPr lang="ru-RU" sz="1200" b="1" baseline="30000">
+                        <a:rPr lang="ru-RU" sz="1200" b="1" baseline="30000" dirty="0">
                           <a:effectLst/>
                           <a:latin typeface="Times New Roman"/>
                           <a:ea typeface="Times New Roman"/>
@@ -19313,14 +19366,14 @@
                         <a:t>3</a:t>
                       </a:r>
                       <a:r>
-                        <a:rPr lang="ru-RU" sz="1200" b="1">
+                        <a:rPr lang="ru-RU" sz="1200" b="1" dirty="0">
                           <a:effectLst/>
                           <a:latin typeface="Times New Roman"/>
                           <a:ea typeface="Times New Roman"/>
                         </a:rPr>
                         <a:t>/час]</a:t>
                       </a:r>
-                      <a:endParaRPr lang="ru-RU" sz="1400">
+                      <a:endParaRPr lang="ru-RU" sz="1400" dirty="0">
                         <a:effectLst/>
                         <a:latin typeface="Times New Roman"/>
                         <a:ea typeface="Times New Roman"/>
@@ -21200,7 +21253,7 @@
                         </a:spcAft>
                       </a:pPr>
                       <a:r>
-                        <a:rPr lang="ru-RU" sz="1400">
+                        <a:rPr lang="ru-RU" sz="1400" dirty="0">
                           <a:effectLst/>
                           <a:latin typeface="Times New Roman"/>
                           <a:ea typeface="Times New Roman"/>
@@ -21850,6 +21903,40 @@
           </p:sp>
         </mc:Fallback>
       </mc:AlternateContent>
+      <p:sp>
+        <p:nvSpPr>
+          <p:cNvPr id="9" name="Прямоугольник 5"/>
+          <p:cNvSpPr/>
+          <p:nvPr/>
+        </p:nvSpPr>
+        <p:spPr>
+          <a:xfrm>
+            <a:off x="467544" y="2245824"/>
+            <a:ext cx="8136904" cy="338554"/>
+          </a:xfrm>
+          <a:prstGeom prst="rect">
+            <a:avLst/>
+          </a:prstGeom>
+        </p:spPr>
+        <p:txBody>
+          <a:bodyPr wrap="square">
+            <a:spAutoFit/>
+          </a:bodyPr>
+          <a:lstStyle/>
+          <a:p>
+            <a:pPr algn="just"/>
+            <a:r>
+              <a:rPr lang="ru-RU" sz="1600" dirty="0" smtClean="0"/>
+              <a:t>Таблица </a:t>
+            </a:r>
+            <a:r>
+              <a:rPr lang="ru-RU" sz="1600" dirty="0" smtClean="0"/>
+              <a:t>3. Расчет рангов для сравниваемых выборок</a:t>
+            </a:r>
+            <a:endParaRPr lang="ru-RU" sz="1600" dirty="0"/>
+          </a:p>
+        </p:txBody>
+      </p:sp>
     </p:spTree>
     <p:extLst>
       <p:ext uri="{BB962C8B-B14F-4D97-AF65-F5344CB8AC3E}">
@@ -22085,7 +22172,7 @@
         <p:spPr>
           <a:xfrm>
             <a:off x="395536" y="1340768"/>
-            <a:ext cx="8496944" cy="1200329"/>
+            <a:ext cx="8496944" cy="4247317"/>
           </a:xfrm>
           <a:prstGeom prst="rect">
             <a:avLst/>
@@ -22112,8 +22199,41 @@
             </a:pPr>
             <a:r>
               <a:rPr lang="ru-RU" b="1" dirty="0" smtClean="0"/>
-              <a:t>«обычная»</a:t>
-            </a:r>
+              <a:t>«Обычная»</a:t>
+            </a:r>
+          </a:p>
+          <a:p>
+            <a:pPr marL="742950" lvl="1" indent="-285750">
+              <a:buFont typeface="Arial" panose="020B0604020202020204" pitchFamily="34" charset="0"/>
+              <a:buChar char="•"/>
+            </a:pPr>
+            <a:r>
+              <a:rPr lang="ru-RU" dirty="0" smtClean="0"/>
+              <a:t>Все критерии оптимизации имеют одинаковый вес;</a:t>
+            </a:r>
+          </a:p>
+          <a:p>
+            <a:pPr marL="742950" lvl="1" indent="-285750">
+              <a:buFont typeface="Arial" panose="020B0604020202020204" pitchFamily="34" charset="0"/>
+              <a:buChar char="•"/>
+            </a:pPr>
+            <a:r>
+              <a:rPr lang="ru-RU" dirty="0" smtClean="0"/>
+              <a:t>Известны цена на газ и мазут на рынке электроэнергии;</a:t>
+            </a:r>
+          </a:p>
+          <a:p>
+            <a:pPr marL="742950" lvl="1" indent="-285750">
+              <a:buFont typeface="Arial" panose="020B0604020202020204" pitchFamily="34" charset="0"/>
+              <a:buChar char="•"/>
+            </a:pPr>
+            <a:r>
+              <a:rPr lang="ru-RU" dirty="0" smtClean="0"/>
+              <a:t>Задана плановая паропроизводительность, которую должна обеспечивать очередь котлоагрегатов.</a:t>
+            </a:r>
+          </a:p>
+          <a:p>
+            <a:pPr lvl="1"/>
             <a:endParaRPr lang="ru-RU" dirty="0" smtClean="0"/>
           </a:p>
           <a:p>
@@ -22123,8 +22243,63 @@
             </a:pPr>
             <a:r>
               <a:rPr lang="ru-RU" b="1" dirty="0" smtClean="0"/>
-              <a:t>«приоритет одного вида топлива»</a:t>
-            </a:r>
+              <a:t>«Приоритет </a:t>
+            </a:r>
+            <a:r>
+              <a:rPr lang="ru-RU" b="1" dirty="0" smtClean="0"/>
+              <a:t>одного вида топлива</a:t>
+            </a:r>
+            <a:r>
+              <a:rPr lang="ru-RU" b="1" dirty="0" smtClean="0"/>
+              <a:t>»</a:t>
+            </a:r>
+          </a:p>
+          <a:p>
+            <a:pPr marL="742950" lvl="1" indent="-285750">
+              <a:buFont typeface="Arial" panose="020B0604020202020204" pitchFamily="34" charset="0"/>
+              <a:buChar char="•"/>
+            </a:pPr>
+            <a:r>
+              <a:rPr lang="ru-RU" dirty="0" smtClean="0"/>
+              <a:t>Критерий расхода газа важнее остальных критериев;</a:t>
+            </a:r>
+            <a:endParaRPr lang="ru-RU" dirty="0"/>
+          </a:p>
+          <a:p>
+            <a:pPr marL="742950" lvl="1" indent="-285750">
+              <a:buFont typeface="Arial" panose="020B0604020202020204" pitchFamily="34" charset="0"/>
+              <a:buChar char="•"/>
+            </a:pPr>
+            <a:r>
+              <a:rPr lang="ru-RU" dirty="0" smtClean="0"/>
+              <a:t>Коэффициенты относительной важности задаются с помощью экспертного блока;</a:t>
+            </a:r>
+          </a:p>
+          <a:p>
+            <a:pPr marL="742950" lvl="1" indent="-285750">
+              <a:buFont typeface="Arial" panose="020B0604020202020204" pitchFamily="34" charset="0"/>
+              <a:buChar char="•"/>
+            </a:pPr>
+            <a:r>
+              <a:rPr lang="ru-RU" dirty="0" smtClean="0"/>
+              <a:t>Известны цены на газ и мазут на рынке электроэнергии;</a:t>
+            </a:r>
+            <a:endParaRPr lang="ru-RU" dirty="0"/>
+          </a:p>
+          <a:p>
+            <a:pPr marL="742950" lvl="1" indent="-285750">
+              <a:buFont typeface="Arial" panose="020B0604020202020204" pitchFamily="34" charset="0"/>
+              <a:buChar char="•"/>
+            </a:pPr>
+            <a:r>
+              <a:rPr lang="ru-RU" dirty="0"/>
+              <a:t>Задана плановая паропроизводительность, которую должна обеспечивать очередь котлоагрегатов</a:t>
+            </a:r>
+            <a:r>
+              <a:rPr lang="ru-RU" dirty="0" smtClean="0"/>
+              <a:t>.</a:t>
+            </a:r>
+            <a:endParaRPr lang="ru-RU" dirty="0"/>
           </a:p>
         </p:txBody>
       </p:sp>
@@ -22220,27 +22395,27 @@
           <p:nvPr>
             <p:extLst>
               <p:ext uri="{D42A27DB-BD31-4B8C-83A1-F6EECF244321}">
-                <p14:modId xmlns:p14="http://schemas.microsoft.com/office/powerpoint/2010/main" val="964249857"/>
+                <p14:modId xmlns:p14="http://schemas.microsoft.com/office/powerpoint/2010/main" val="2541541371"/>
               </p:ext>
             </p:extLst>
           </p:nvPr>
         </p:nvGraphicFramePr>
         <p:xfrm>
-          <a:off x="899590" y="2060850"/>
-          <a:ext cx="7560841" cy="4288791"/>
+          <a:off x="431540" y="1988840"/>
+          <a:ext cx="8496944" cy="4641065"/>
         </p:xfrm>
         <a:graphic>
           <a:graphicData uri="http://schemas.openxmlformats.org/drawingml/2006/table">
             <a:tbl>
               <a:tblPr firstRow="1" firstCol="1" bandRow="1"/>
               <a:tblGrid>
-                <a:gridCol w="1785342"/>
-                <a:gridCol w="1211819"/>
-                <a:gridCol w="1340586"/>
-                <a:gridCol w="1909367"/>
-                <a:gridCol w="1313727"/>
+                <a:gridCol w="2556284"/>
+                <a:gridCol w="1512168"/>
+                <a:gridCol w="1296144"/>
+                <a:gridCol w="1655970"/>
+                <a:gridCol w="1476378"/>
               </a:tblGrid>
-              <a:tr h="319267">
+              <a:tr h="397292">
                 <a:tc>
                   <a:txBody>
                     <a:bodyPr/>
@@ -22248,21 +22423,21 @@
                     <a:p>
                       <a:pPr indent="457200" algn="just">
                         <a:lnSpc>
-                          <a:spcPct val="150000"/>
+                          <a:spcPct val="100000"/>
                         </a:lnSpc>
                         <a:spcAft>
                           <a:spcPts val="600"/>
                         </a:spcAft>
                       </a:pPr>
                       <a:r>
-                        <a:rPr lang="ru-RU" sz="700" b="1">
+                        <a:rPr lang="ru-RU" sz="1400" b="1" dirty="0">
                           <a:effectLst/>
                           <a:latin typeface="Times New Roman"/>
                           <a:ea typeface="Times New Roman"/>
                         </a:rPr>
                         <a:t> </a:t>
                       </a:r>
-                      <a:endParaRPr lang="ru-RU" sz="900">
+                      <a:endParaRPr lang="ru-RU" sz="1400" dirty="0">
                         <a:effectLst/>
                         <a:latin typeface="Times New Roman"/>
                         <a:ea typeface="Times New Roman"/>
@@ -22315,14 +22490,14 @@
                     <a:p>
                       <a:pPr indent="457200" algn="just">
                         <a:lnSpc>
-                          <a:spcPct val="150000"/>
+                          <a:spcPct val="100000"/>
                         </a:lnSpc>
                         <a:spcAft>
                           <a:spcPts val="600"/>
                         </a:spcAft>
                       </a:pPr>
                       <a:r>
-                        <a:rPr lang="ru-RU" sz="700" b="1">
+                        <a:rPr lang="ru-RU" sz="1400" b="1">
                           <a:effectLst/>
                           <a:latin typeface="Times New Roman"/>
                           <a:ea typeface="Times New Roman"/>
@@ -22330,7 +22505,7 @@
                         <a:t>Режим работы («</a:t>
                       </a:r>
                       <a:r>
-                        <a:rPr lang="en-US" sz="700" b="1">
+                        <a:rPr lang="en-US" sz="1400" b="1">
                           <a:effectLst/>
                           <a:latin typeface="Times New Roman"/>
                           <a:ea typeface="Times New Roman"/>
@@ -22338,14 +22513,14 @@
                         <a:t>I4Plan</a:t>
                       </a:r>
                       <a:r>
-                        <a:rPr lang="ru-RU" sz="700" b="1">
+                        <a:rPr lang="ru-RU" sz="1400" b="1">
                           <a:effectLst/>
                           <a:latin typeface="Times New Roman"/>
                           <a:ea typeface="Times New Roman"/>
                         </a:rPr>
                         <a:t>»)</a:t>
                       </a:r>
-                      <a:endParaRPr lang="ru-RU" sz="900">
+                      <a:endParaRPr lang="ru-RU" sz="1400">
                         <a:effectLst/>
                         <a:latin typeface="Times New Roman"/>
                         <a:ea typeface="Times New Roman"/>
@@ -22408,21 +22583,21 @@
                     <a:p>
                       <a:pPr indent="457200" algn="just">
                         <a:lnSpc>
-                          <a:spcPct val="150000"/>
+                          <a:spcPct val="100000"/>
                         </a:lnSpc>
                         <a:spcAft>
                           <a:spcPts val="600"/>
                         </a:spcAft>
                       </a:pPr>
                       <a:r>
-                        <a:rPr lang="ru-RU" sz="700" b="1">
+                        <a:rPr lang="ru-RU" sz="1400" b="1">
                           <a:effectLst/>
                           <a:latin typeface="Times New Roman"/>
                           <a:ea typeface="Times New Roman"/>
                         </a:rPr>
                         <a:t>Режим работы (разработанное ПО)</a:t>
                       </a:r>
-                      <a:endParaRPr lang="ru-RU" sz="900">
+                      <a:endParaRPr lang="ru-RU" sz="1400">
                         <a:effectLst/>
                         <a:latin typeface="Times New Roman"/>
                         <a:ea typeface="Times New Roman"/>
@@ -22479,7 +22654,7 @@
                   <a:tcPr/>
                 </a:tc>
               </a:tr>
-              <a:tr h="478901">
+              <a:tr h="595938">
                 <a:tc>
                   <a:txBody>
                     <a:bodyPr/>
@@ -22487,21 +22662,21 @@
                     <a:p>
                       <a:pPr indent="457200" algn="just">
                         <a:lnSpc>
-                          <a:spcPct val="150000"/>
+                          <a:spcPct val="100000"/>
                         </a:lnSpc>
                         <a:spcAft>
                           <a:spcPts val="600"/>
                         </a:spcAft>
                       </a:pPr>
                       <a:r>
-                        <a:rPr lang="ru-RU" sz="700" b="1">
+                        <a:rPr lang="ru-RU" sz="1400" b="1" dirty="0" err="1">
                           <a:effectLst/>
                           <a:latin typeface="Times New Roman"/>
                           <a:ea typeface="Times New Roman"/>
                         </a:rPr>
                         <a:t>Котлоагрегат</a:t>
                       </a:r>
-                      <a:endParaRPr lang="ru-RU" sz="900">
+                      <a:endParaRPr lang="ru-RU" sz="1400" dirty="0">
                         <a:effectLst/>
                         <a:latin typeface="Times New Roman"/>
                         <a:ea typeface="Times New Roman"/>
@@ -22554,21 +22729,21 @@
                     <a:p>
                       <a:pPr indent="457200" algn="just">
                         <a:lnSpc>
-                          <a:spcPct val="150000"/>
+                          <a:spcPct val="100000"/>
                         </a:lnSpc>
                         <a:spcAft>
                           <a:spcPts val="600"/>
                         </a:spcAft>
                       </a:pPr>
                       <a:r>
-                        <a:rPr lang="ru-RU" sz="700" b="1">
+                        <a:rPr lang="ru-RU" sz="1400" b="1" dirty="0">
                           <a:effectLst/>
                           <a:latin typeface="Times New Roman"/>
                           <a:ea typeface="Times New Roman"/>
                         </a:rPr>
                         <a:t>Состояние</a:t>
                       </a:r>
-                      <a:endParaRPr lang="ru-RU" sz="900">
+                      <a:endParaRPr lang="ru-RU" sz="1400" dirty="0">
                         <a:effectLst/>
                         <a:latin typeface="Times New Roman"/>
                         <a:ea typeface="Times New Roman"/>
@@ -22621,14 +22796,14 @@
                     <a:p>
                       <a:pPr indent="457200" algn="just">
                         <a:lnSpc>
-                          <a:spcPct val="150000"/>
+                          <a:spcPct val="100000"/>
                         </a:lnSpc>
                         <a:spcAft>
                           <a:spcPts val="600"/>
                         </a:spcAft>
                       </a:pPr>
                       <a:r>
-                        <a:rPr lang="ru-RU" sz="700" b="1">
+                        <a:rPr lang="ru-RU" sz="1400" b="1">
                           <a:effectLst/>
                           <a:latin typeface="Times New Roman"/>
                           <a:ea typeface="Times New Roman"/>
@@ -22636,7 +22811,7 @@
                         <a:t>Паровая нагрузка, </a:t>
                       </a:r>
                       <a:r>
-                        <a:rPr lang="en-US" sz="700" b="1">
+                        <a:rPr lang="en-US" sz="1400" b="1">
                           <a:effectLst/>
                           <a:latin typeface="Times New Roman"/>
                           <a:ea typeface="Times New Roman"/>
@@ -22644,7 +22819,7 @@
                         <a:t>[</a:t>
                       </a:r>
                       <a:r>
-                        <a:rPr lang="ru-RU" sz="700" b="1">
+                        <a:rPr lang="ru-RU" sz="1400" b="1">
                           <a:effectLst/>
                           <a:latin typeface="Times New Roman"/>
                           <a:ea typeface="Times New Roman"/>
@@ -22652,14 +22827,14 @@
                         <a:t>тонн/час</a:t>
                       </a:r>
                       <a:r>
-                        <a:rPr lang="en-US" sz="700" b="1">
+                        <a:rPr lang="en-US" sz="1400" b="1">
                           <a:effectLst/>
                           <a:latin typeface="Times New Roman"/>
                           <a:ea typeface="Times New Roman"/>
                         </a:rPr>
                         <a:t>]</a:t>
                       </a:r>
-                      <a:endParaRPr lang="ru-RU" sz="900">
+                      <a:endParaRPr lang="ru-RU" sz="1400">
                         <a:effectLst/>
                         <a:latin typeface="Times New Roman"/>
                         <a:ea typeface="Times New Roman"/>
@@ -22712,21 +22887,21 @@
                     <a:p>
                       <a:pPr indent="457200" algn="just">
                         <a:lnSpc>
-                          <a:spcPct val="150000"/>
+                          <a:spcPct val="100000"/>
                         </a:lnSpc>
                         <a:spcAft>
                           <a:spcPts val="600"/>
                         </a:spcAft>
                       </a:pPr>
                       <a:r>
-                        <a:rPr lang="ru-RU" sz="700" b="1">
+                        <a:rPr lang="ru-RU" sz="1400" b="1">
                           <a:effectLst/>
                           <a:latin typeface="Times New Roman"/>
                           <a:ea typeface="Times New Roman"/>
                         </a:rPr>
                         <a:t>Состояние</a:t>
                       </a:r>
-                      <a:endParaRPr lang="ru-RU" sz="900">
+                      <a:endParaRPr lang="ru-RU" sz="1400">
                         <a:effectLst/>
                         <a:latin typeface="Times New Roman"/>
                         <a:ea typeface="Times New Roman"/>
@@ -22779,14 +22954,14 @@
                     <a:p>
                       <a:pPr indent="457200" algn="just">
                         <a:lnSpc>
-                          <a:spcPct val="150000"/>
+                          <a:spcPct val="100000"/>
                         </a:lnSpc>
                         <a:spcAft>
                           <a:spcPts val="600"/>
                         </a:spcAft>
                       </a:pPr>
                       <a:r>
-                        <a:rPr lang="ru-RU" sz="700" b="1">
+                        <a:rPr lang="ru-RU" sz="1400" b="1">
                           <a:effectLst/>
                           <a:latin typeface="Times New Roman"/>
                           <a:ea typeface="Times New Roman"/>
@@ -22794,7 +22969,7 @@
                         <a:t>Паровая нагрузка, </a:t>
                       </a:r>
                       <a:r>
-                        <a:rPr lang="en-US" sz="700" b="1">
+                        <a:rPr lang="en-US" sz="1400" b="1">
                           <a:effectLst/>
                           <a:latin typeface="Times New Roman"/>
                           <a:ea typeface="Times New Roman"/>
@@ -22802,7 +22977,7 @@
                         <a:t>[</a:t>
                       </a:r>
                       <a:r>
-                        <a:rPr lang="ru-RU" sz="700" b="1">
+                        <a:rPr lang="ru-RU" sz="1400" b="1">
                           <a:effectLst/>
                           <a:latin typeface="Times New Roman"/>
                           <a:ea typeface="Times New Roman"/>
@@ -22810,14 +22985,14 @@
                         <a:t>тонн/час</a:t>
                       </a:r>
                       <a:r>
-                        <a:rPr lang="en-US" sz="700" b="1">
+                        <a:rPr lang="en-US" sz="1400" b="1">
                           <a:effectLst/>
                           <a:latin typeface="Times New Roman"/>
                           <a:ea typeface="Times New Roman"/>
                         </a:rPr>
                         <a:t>]</a:t>
                       </a:r>
-                      <a:endParaRPr lang="ru-RU" sz="900">
+                      <a:endParaRPr lang="ru-RU" sz="1400">
                         <a:effectLst/>
                         <a:latin typeface="Times New Roman"/>
                         <a:ea typeface="Times New Roman"/>
@@ -22864,7 +23039,7 @@
                   </a:tcPr>
                 </a:tc>
               </a:tr>
-              <a:tr h="372478">
+              <a:tr h="346791">
                 <a:tc>
                   <a:txBody>
                     <a:bodyPr/>
@@ -22872,14 +23047,14 @@
                     <a:p>
                       <a:pPr indent="457200" algn="just">
                         <a:lnSpc>
-                          <a:spcPct val="150000"/>
+                          <a:spcPct val="100000"/>
                         </a:lnSpc>
                         <a:spcAft>
                           <a:spcPts val="600"/>
                         </a:spcAft>
                       </a:pPr>
                       <a:r>
-                        <a:rPr lang="ru-RU" sz="900">
+                        <a:rPr lang="ru-RU" sz="1400">
                           <a:effectLst/>
                           <a:latin typeface="Times New Roman"/>
                           <a:ea typeface="Times New Roman"/>
@@ -22934,14 +23109,14 @@
                     <a:p>
                       <a:pPr indent="457200" algn="just">
                         <a:lnSpc>
-                          <a:spcPct val="150000"/>
+                          <a:spcPct val="100000"/>
                         </a:lnSpc>
                         <a:spcAft>
                           <a:spcPts val="600"/>
                         </a:spcAft>
                       </a:pPr>
                       <a:r>
-                        <a:rPr lang="ru-RU" sz="900">
+                        <a:rPr lang="ru-RU" sz="1400" dirty="0">
                           <a:effectLst/>
                           <a:latin typeface="Times New Roman"/>
                           <a:ea typeface="Times New Roman"/>
@@ -22996,14 +23171,14 @@
                     <a:p>
                       <a:pPr indent="457200" algn="just">
                         <a:lnSpc>
-                          <a:spcPct val="150000"/>
+                          <a:spcPct val="100000"/>
                         </a:lnSpc>
                         <a:spcAft>
                           <a:spcPts val="600"/>
                         </a:spcAft>
                       </a:pPr>
                       <a:r>
-                        <a:rPr lang="ru-RU" sz="900">
+                        <a:rPr lang="ru-RU" sz="1400" dirty="0">
                           <a:effectLst/>
                           <a:latin typeface="Times New Roman"/>
                           <a:ea typeface="Times New Roman"/>
@@ -23058,14 +23233,14 @@
                     <a:p>
                       <a:pPr indent="457200" algn="just">
                         <a:lnSpc>
-                          <a:spcPct val="150000"/>
+                          <a:spcPct val="100000"/>
                         </a:lnSpc>
                         <a:spcAft>
                           <a:spcPts val="600"/>
                         </a:spcAft>
                       </a:pPr>
                       <a:r>
-                        <a:rPr lang="ru-RU" sz="900">
+                        <a:rPr lang="ru-RU" sz="1400">
                           <a:effectLst/>
                           <a:latin typeface="Times New Roman"/>
                           <a:ea typeface="Times New Roman"/>
@@ -23120,14 +23295,14 @@
                     <a:p>
                       <a:pPr indent="457200" algn="just">
                         <a:lnSpc>
-                          <a:spcPct val="150000"/>
+                          <a:spcPct val="100000"/>
                         </a:lnSpc>
                         <a:spcAft>
                           <a:spcPts val="600"/>
                         </a:spcAft>
                       </a:pPr>
                       <a:r>
-                        <a:rPr lang="ru-RU" sz="900">
+                        <a:rPr lang="ru-RU" sz="1400">
                           <a:effectLst/>
                           <a:latin typeface="Times New Roman"/>
                           <a:ea typeface="Times New Roman"/>
@@ -23176,7 +23351,7 @@
                   </a:tcPr>
                 </a:tc>
               </a:tr>
-              <a:tr h="372478">
+              <a:tr h="346791">
                 <a:tc>
                   <a:txBody>
                     <a:bodyPr/>
@@ -23184,14 +23359,14 @@
                     <a:p>
                       <a:pPr indent="457200" algn="just">
                         <a:lnSpc>
-                          <a:spcPct val="150000"/>
+                          <a:spcPct val="100000"/>
                         </a:lnSpc>
                         <a:spcAft>
                           <a:spcPts val="600"/>
                         </a:spcAft>
                       </a:pPr>
                       <a:r>
-                        <a:rPr lang="ru-RU" sz="900">
+                        <a:rPr lang="ru-RU" sz="1400">
                           <a:effectLst/>
                           <a:latin typeface="Times New Roman"/>
                           <a:ea typeface="Times New Roman"/>
@@ -23246,14 +23421,14 @@
                     <a:p>
                       <a:pPr indent="457200" algn="just">
                         <a:lnSpc>
-                          <a:spcPct val="150000"/>
+                          <a:spcPct val="100000"/>
                         </a:lnSpc>
                         <a:spcAft>
                           <a:spcPts val="600"/>
                         </a:spcAft>
                       </a:pPr>
                       <a:r>
-                        <a:rPr lang="ru-RU" sz="900">
+                        <a:rPr lang="ru-RU" sz="1400" dirty="0">
                           <a:effectLst/>
                           <a:latin typeface="Times New Roman"/>
                           <a:ea typeface="Times New Roman"/>
@@ -23308,14 +23483,14 @@
                     <a:p>
                       <a:pPr indent="457200" algn="just">
                         <a:lnSpc>
-                          <a:spcPct val="150000"/>
+                          <a:spcPct val="100000"/>
                         </a:lnSpc>
                         <a:spcAft>
                           <a:spcPts val="600"/>
                         </a:spcAft>
                       </a:pPr>
                       <a:r>
-                        <a:rPr lang="ru-RU" sz="900">
+                        <a:rPr lang="ru-RU" sz="1400" dirty="0">
                           <a:effectLst/>
                           <a:latin typeface="Times New Roman"/>
                           <a:ea typeface="Times New Roman"/>
@@ -23370,14 +23545,14 @@
                     <a:p>
                       <a:pPr indent="457200" algn="just">
                         <a:lnSpc>
-                          <a:spcPct val="150000"/>
+                          <a:spcPct val="100000"/>
                         </a:lnSpc>
                         <a:spcAft>
                           <a:spcPts val="600"/>
                         </a:spcAft>
                       </a:pPr>
                       <a:r>
-                        <a:rPr lang="ru-RU" sz="900">
+                        <a:rPr lang="ru-RU" sz="1400">
                           <a:effectLst/>
                           <a:latin typeface="Times New Roman"/>
                           <a:ea typeface="Times New Roman"/>
@@ -23432,14 +23607,14 @@
                     <a:p>
                       <a:pPr indent="457200" algn="just">
                         <a:lnSpc>
-                          <a:spcPct val="150000"/>
+                          <a:spcPct val="100000"/>
                         </a:lnSpc>
                         <a:spcAft>
                           <a:spcPts val="600"/>
                         </a:spcAft>
                       </a:pPr>
                       <a:r>
-                        <a:rPr lang="ru-RU" sz="900">
+                        <a:rPr lang="ru-RU" sz="1400">
                           <a:effectLst/>
                           <a:latin typeface="Times New Roman"/>
                           <a:ea typeface="Times New Roman"/>
@@ -23488,7 +23663,7 @@
                   </a:tcPr>
                 </a:tc>
               </a:tr>
-              <a:tr h="372478">
+              <a:tr h="346791">
                 <a:tc>
                   <a:txBody>
                     <a:bodyPr/>
@@ -23496,14 +23671,14 @@
                     <a:p>
                       <a:pPr indent="457200" algn="just">
                         <a:lnSpc>
-                          <a:spcPct val="150000"/>
+                          <a:spcPct val="100000"/>
                         </a:lnSpc>
                         <a:spcAft>
                           <a:spcPts val="600"/>
                         </a:spcAft>
                       </a:pPr>
                       <a:r>
-                        <a:rPr lang="ru-RU" sz="900">
+                        <a:rPr lang="ru-RU" sz="1400">
                           <a:effectLst/>
                           <a:latin typeface="Times New Roman"/>
                           <a:ea typeface="Times New Roman"/>
@@ -23558,14 +23733,14 @@
                     <a:p>
                       <a:pPr indent="457200" algn="just">
                         <a:lnSpc>
-                          <a:spcPct val="150000"/>
+                          <a:spcPct val="100000"/>
                         </a:lnSpc>
                         <a:spcAft>
                           <a:spcPts val="600"/>
                         </a:spcAft>
                       </a:pPr>
                       <a:r>
-                        <a:rPr lang="ru-RU" sz="900">
+                        <a:rPr lang="ru-RU" sz="1400" dirty="0">
                           <a:effectLst/>
                           <a:latin typeface="Times New Roman"/>
                           <a:ea typeface="Times New Roman"/>
@@ -23620,14 +23795,14 @@
                     <a:p>
                       <a:pPr indent="457200" algn="just">
                         <a:lnSpc>
-                          <a:spcPct val="150000"/>
+                          <a:spcPct val="100000"/>
                         </a:lnSpc>
                         <a:spcAft>
                           <a:spcPts val="600"/>
                         </a:spcAft>
                       </a:pPr>
                       <a:r>
-                        <a:rPr lang="ru-RU" sz="900">
+                        <a:rPr lang="ru-RU" sz="1400" dirty="0">
                           <a:effectLst/>
                           <a:latin typeface="Times New Roman"/>
                           <a:ea typeface="Times New Roman"/>
@@ -23682,14 +23857,14 @@
                     <a:p>
                       <a:pPr indent="457200" algn="just">
                         <a:lnSpc>
-                          <a:spcPct val="150000"/>
+                          <a:spcPct val="100000"/>
                         </a:lnSpc>
                         <a:spcAft>
                           <a:spcPts val="600"/>
                         </a:spcAft>
                       </a:pPr>
                       <a:r>
-                        <a:rPr lang="ru-RU" sz="900">
+                        <a:rPr lang="ru-RU" sz="1400">
                           <a:effectLst/>
                           <a:latin typeface="Times New Roman"/>
                           <a:ea typeface="Times New Roman"/>
@@ -23744,14 +23919,14 @@
                     <a:p>
                       <a:pPr indent="457200" algn="just">
                         <a:lnSpc>
-                          <a:spcPct val="150000"/>
+                          <a:spcPct val="100000"/>
                         </a:lnSpc>
                         <a:spcAft>
                           <a:spcPts val="600"/>
                         </a:spcAft>
                       </a:pPr>
                       <a:r>
-                        <a:rPr lang="ru-RU" sz="900">
+                        <a:rPr lang="ru-RU" sz="1400">
                           <a:effectLst/>
                           <a:latin typeface="Times New Roman"/>
                           <a:ea typeface="Times New Roman"/>
@@ -23800,7 +23975,7 @@
                   </a:tcPr>
                 </a:tc>
               </a:tr>
-              <a:tr h="192299">
+              <a:tr h="198646">
                 <a:tc>
                   <a:txBody>
                     <a:bodyPr/>
@@ -23808,14 +23983,14 @@
                     <a:p>
                       <a:pPr indent="457200" algn="just">
                         <a:lnSpc>
-                          <a:spcPct val="150000"/>
+                          <a:spcPct val="100000"/>
                         </a:lnSpc>
                         <a:spcAft>
                           <a:spcPts val="600"/>
                         </a:spcAft>
                       </a:pPr>
                       <a:r>
-                        <a:rPr lang="ru-RU" sz="900">
+                        <a:rPr lang="ru-RU" sz="1400">
                           <a:effectLst/>
                           <a:latin typeface="Times New Roman"/>
                           <a:ea typeface="Times New Roman"/>
@@ -23870,14 +24045,14 @@
                     <a:p>
                       <a:pPr indent="457200" algn="just">
                         <a:lnSpc>
-                          <a:spcPct val="150000"/>
+                          <a:spcPct val="100000"/>
                         </a:lnSpc>
                         <a:spcAft>
                           <a:spcPts val="600"/>
                         </a:spcAft>
                       </a:pPr>
                       <a:r>
-                        <a:rPr lang="ru-RU" sz="900">
+                        <a:rPr lang="ru-RU" sz="1400">
                           <a:effectLst/>
                           <a:latin typeface="Times New Roman"/>
                           <a:ea typeface="Times New Roman"/>
@@ -23932,14 +24107,14 @@
                     <a:p>
                       <a:pPr indent="457200" algn="just">
                         <a:lnSpc>
-                          <a:spcPct val="150000"/>
+                          <a:spcPct val="100000"/>
                         </a:lnSpc>
                         <a:spcAft>
                           <a:spcPts val="600"/>
                         </a:spcAft>
                       </a:pPr>
                       <a:r>
-                        <a:rPr lang="ru-RU" sz="900">
+                        <a:rPr lang="ru-RU" sz="1400" dirty="0">
                           <a:effectLst/>
                           <a:latin typeface="Times New Roman"/>
                           <a:ea typeface="Times New Roman"/>
@@ -23994,14 +24169,14 @@
                     <a:p>
                       <a:pPr indent="457200" algn="just">
                         <a:lnSpc>
-                          <a:spcPct val="150000"/>
+                          <a:spcPct val="100000"/>
                         </a:lnSpc>
                         <a:spcAft>
                           <a:spcPts val="600"/>
                         </a:spcAft>
                       </a:pPr>
                       <a:r>
-                        <a:rPr lang="ru-RU" sz="900">
+                        <a:rPr lang="ru-RU" sz="1400">
                           <a:effectLst/>
                           <a:latin typeface="Times New Roman"/>
                           <a:ea typeface="Times New Roman"/>
@@ -24056,14 +24231,14 @@
                     <a:p>
                       <a:pPr indent="457200" algn="just">
                         <a:lnSpc>
-                          <a:spcPct val="150000"/>
+                          <a:spcPct val="100000"/>
                         </a:lnSpc>
                         <a:spcAft>
                           <a:spcPts val="600"/>
                         </a:spcAft>
                       </a:pPr>
                       <a:r>
-                        <a:rPr lang="ru-RU" sz="900">
+                        <a:rPr lang="ru-RU" sz="1400">
                           <a:effectLst/>
                           <a:latin typeface="Times New Roman"/>
                           <a:ea typeface="Times New Roman"/>
@@ -24112,7 +24287,7 @@
                   </a:tcPr>
                 </a:tc>
               </a:tr>
-              <a:tr h="192299">
+              <a:tr h="198646">
                 <a:tc>
                   <a:txBody>
                     <a:bodyPr/>
@@ -24120,14 +24295,14 @@
                     <a:p>
                       <a:pPr indent="457200" algn="just">
                         <a:lnSpc>
-                          <a:spcPct val="150000"/>
+                          <a:spcPct val="100000"/>
                         </a:lnSpc>
                         <a:spcAft>
                           <a:spcPts val="600"/>
                         </a:spcAft>
                       </a:pPr>
                       <a:r>
-                        <a:rPr lang="ru-RU" sz="900">
+                        <a:rPr lang="ru-RU" sz="1400">
                           <a:effectLst/>
                           <a:latin typeface="Times New Roman"/>
                           <a:ea typeface="Times New Roman"/>
@@ -24182,14 +24357,14 @@
                     <a:p>
                       <a:pPr indent="457200" algn="just">
                         <a:lnSpc>
-                          <a:spcPct val="150000"/>
+                          <a:spcPct val="100000"/>
                         </a:lnSpc>
                         <a:spcAft>
                           <a:spcPts val="600"/>
                         </a:spcAft>
                       </a:pPr>
                       <a:r>
-                        <a:rPr lang="ru-RU" sz="900">
+                        <a:rPr lang="ru-RU" sz="1400">
                           <a:effectLst/>
                           <a:latin typeface="Times New Roman"/>
                           <a:ea typeface="Times New Roman"/>
@@ -24244,14 +24419,14 @@
                     <a:p>
                       <a:pPr indent="457200" algn="just">
                         <a:lnSpc>
-                          <a:spcPct val="150000"/>
+                          <a:spcPct val="100000"/>
                         </a:lnSpc>
                         <a:spcAft>
                           <a:spcPts val="600"/>
                         </a:spcAft>
                       </a:pPr>
                       <a:r>
-                        <a:rPr lang="ru-RU" sz="900">
+                        <a:rPr lang="ru-RU" sz="1400" dirty="0">
                           <a:effectLst/>
                           <a:latin typeface="Times New Roman"/>
                           <a:ea typeface="Times New Roman"/>
@@ -24306,14 +24481,14 @@
                     <a:p>
                       <a:pPr indent="457200" algn="just">
                         <a:lnSpc>
-                          <a:spcPct val="150000"/>
+                          <a:spcPct val="100000"/>
                         </a:lnSpc>
                         <a:spcAft>
                           <a:spcPts val="600"/>
                         </a:spcAft>
                       </a:pPr>
                       <a:r>
-                        <a:rPr lang="ru-RU" sz="900">
+                        <a:rPr lang="ru-RU" sz="1400" dirty="0">
                           <a:effectLst/>
                           <a:latin typeface="Times New Roman"/>
                           <a:ea typeface="Times New Roman"/>
@@ -24368,14 +24543,14 @@
                     <a:p>
                       <a:pPr indent="457200" algn="just">
                         <a:lnSpc>
-                          <a:spcPct val="150000"/>
+                          <a:spcPct val="100000"/>
                         </a:lnSpc>
                         <a:spcAft>
                           <a:spcPts val="600"/>
                         </a:spcAft>
                       </a:pPr>
                       <a:r>
-                        <a:rPr lang="ru-RU" sz="900">
+                        <a:rPr lang="ru-RU" sz="1400">
                           <a:effectLst/>
                           <a:latin typeface="Times New Roman"/>
                           <a:ea typeface="Times New Roman"/>
@@ -24424,7 +24599,7 @@
                   </a:tcPr>
                 </a:tc>
               </a:tr>
-              <a:tr h="192299">
+              <a:tr h="198646">
                 <a:tc>
                   <a:txBody>
                     <a:bodyPr/>
@@ -24432,14 +24607,14 @@
                     <a:p>
                       <a:pPr indent="457200" algn="just">
                         <a:lnSpc>
-                          <a:spcPct val="150000"/>
+                          <a:spcPct val="100000"/>
                         </a:lnSpc>
                         <a:spcAft>
                           <a:spcPts val="600"/>
                         </a:spcAft>
                       </a:pPr>
                       <a:r>
-                        <a:rPr lang="ru-RU" sz="900">
+                        <a:rPr lang="ru-RU" sz="1400">
                           <a:effectLst/>
                           <a:latin typeface="Times New Roman"/>
                           <a:ea typeface="Times New Roman"/>
@@ -24494,14 +24669,14 @@
                     <a:p>
                       <a:pPr indent="457200" algn="just">
                         <a:lnSpc>
-                          <a:spcPct val="150000"/>
+                          <a:spcPct val="100000"/>
                         </a:lnSpc>
                         <a:spcAft>
                           <a:spcPts val="600"/>
                         </a:spcAft>
                       </a:pPr>
                       <a:r>
-                        <a:rPr lang="ru-RU" sz="900">
+                        <a:rPr lang="ru-RU" sz="1400">
                           <a:effectLst/>
                           <a:latin typeface="Times New Roman"/>
                           <a:ea typeface="Times New Roman"/>
@@ -24556,14 +24731,14 @@
                     <a:p>
                       <a:pPr indent="457200" algn="just">
                         <a:lnSpc>
-                          <a:spcPct val="150000"/>
+                          <a:spcPct val="100000"/>
                         </a:lnSpc>
                         <a:spcAft>
                           <a:spcPts val="600"/>
                         </a:spcAft>
                       </a:pPr>
                       <a:r>
-                        <a:rPr lang="ru-RU" sz="900">
+                        <a:rPr lang="ru-RU" sz="1400" dirty="0">
                           <a:effectLst/>
                           <a:latin typeface="Times New Roman"/>
                           <a:ea typeface="Times New Roman"/>
@@ -24618,14 +24793,14 @@
                     <a:p>
                       <a:pPr indent="457200" algn="just">
                         <a:lnSpc>
-                          <a:spcPct val="150000"/>
+                          <a:spcPct val="100000"/>
                         </a:lnSpc>
                         <a:spcAft>
                           <a:spcPts val="600"/>
                         </a:spcAft>
                       </a:pPr>
                       <a:r>
-                        <a:rPr lang="ru-RU" sz="900">
+                        <a:rPr lang="ru-RU" sz="1400" dirty="0">
                           <a:effectLst/>
                           <a:latin typeface="Times New Roman"/>
                           <a:ea typeface="Times New Roman"/>
@@ -24680,14 +24855,14 @@
                     <a:p>
                       <a:pPr indent="457200" algn="just">
                         <a:lnSpc>
-                          <a:spcPct val="150000"/>
+                          <a:spcPct val="100000"/>
                         </a:lnSpc>
                         <a:spcAft>
                           <a:spcPts val="600"/>
                         </a:spcAft>
                       </a:pPr>
                       <a:r>
-                        <a:rPr lang="ru-RU" sz="900">
+                        <a:rPr lang="ru-RU" sz="1400" dirty="0">
                           <a:effectLst/>
                           <a:latin typeface="Times New Roman"/>
                           <a:ea typeface="Times New Roman"/>
@@ -24736,7 +24911,7 @@
                   </a:tcPr>
                 </a:tc>
               </a:tr>
-              <a:tr h="319267">
+              <a:tr h="397292">
                 <a:tc>
                   <a:txBody>
                     <a:bodyPr/>
@@ -24744,14 +24919,14 @@
                     <a:p>
                       <a:pPr indent="457200" algn="just">
                         <a:lnSpc>
-                          <a:spcPct val="150000"/>
+                          <a:spcPct val="100000"/>
                         </a:lnSpc>
                         <a:spcAft>
                           <a:spcPts val="600"/>
                         </a:spcAft>
                       </a:pPr>
                       <a:r>
-                        <a:rPr lang="ru-RU" sz="700" b="1">
+                        <a:rPr lang="ru-RU" sz="1400" b="1">
                           <a:effectLst/>
                           <a:latin typeface="Times New Roman"/>
                           <a:ea typeface="Times New Roman"/>
@@ -24759,7 +24934,7 @@
                         <a:t>Расход газа, [тыс.нм</a:t>
                       </a:r>
                       <a:r>
-                        <a:rPr lang="ru-RU" sz="700" b="1" baseline="30000">
+                        <a:rPr lang="ru-RU" sz="1400" b="1" baseline="30000">
                           <a:effectLst/>
                           <a:latin typeface="Times New Roman"/>
                           <a:ea typeface="Times New Roman"/>
@@ -24767,14 +24942,14 @@
                         <a:t>3</a:t>
                       </a:r>
                       <a:r>
-                        <a:rPr lang="ru-RU" sz="700" b="1">
+                        <a:rPr lang="ru-RU" sz="1400" b="1">
                           <a:effectLst/>
                           <a:latin typeface="Times New Roman"/>
                           <a:ea typeface="Times New Roman"/>
                         </a:rPr>
                         <a:t>/час]</a:t>
                       </a:r>
-                      <a:endParaRPr lang="ru-RU" sz="900">
+                      <a:endParaRPr lang="ru-RU" sz="1400">
                         <a:effectLst/>
                         <a:latin typeface="Times New Roman"/>
                         <a:ea typeface="Times New Roman"/>
@@ -24827,21 +25002,21 @@
                     <a:p>
                       <a:pPr indent="457200" algn="l">
                         <a:lnSpc>
-                          <a:spcPct val="150000"/>
+                          <a:spcPct val="100000"/>
                         </a:lnSpc>
                         <a:spcAft>
                           <a:spcPts val="600"/>
                         </a:spcAft>
                       </a:pPr>
                       <a:r>
-                        <a:rPr lang="en-US" sz="900">
+                        <a:rPr lang="en-US" sz="1400" dirty="0">
                           <a:effectLst/>
                           <a:latin typeface="Times New Roman"/>
                           <a:ea typeface="Times New Roman"/>
                         </a:rPr>
                         <a:t>50,051</a:t>
                       </a:r>
-                      <a:endParaRPr lang="ru-RU" sz="900">
+                      <a:endParaRPr lang="ru-RU" sz="1400" dirty="0">
                         <a:effectLst/>
                         <a:latin typeface="Times New Roman"/>
                         <a:ea typeface="Times New Roman"/>
@@ -24904,21 +25079,21 @@
                     <a:p>
                       <a:pPr indent="457200" algn="l">
                         <a:lnSpc>
-                          <a:spcPct val="150000"/>
+                          <a:spcPct val="100000"/>
                         </a:lnSpc>
                         <a:spcAft>
                           <a:spcPts val="600"/>
                         </a:spcAft>
                       </a:pPr>
                       <a:r>
-                        <a:rPr lang="en-US" sz="900" b="1">
+                        <a:rPr lang="en-US" sz="1400" b="1" dirty="0">
                           <a:effectLst/>
                           <a:latin typeface="Times New Roman"/>
                           <a:ea typeface="Times New Roman"/>
                         </a:rPr>
                         <a:t>50,043</a:t>
                       </a:r>
-                      <a:endParaRPr lang="ru-RU" sz="900">
+                      <a:endParaRPr lang="ru-RU" sz="1400" dirty="0">
                         <a:effectLst/>
                         <a:latin typeface="Times New Roman"/>
                         <a:ea typeface="Times New Roman"/>
@@ -24975,7 +25150,7 @@
                   <a:tcPr/>
                 </a:tc>
               </a:tr>
-              <a:tr h="319267">
+              <a:tr h="397292">
                 <a:tc>
                   <a:txBody>
                     <a:bodyPr/>
@@ -24983,14 +25158,14 @@
                     <a:p>
                       <a:pPr indent="457200" algn="just">
                         <a:lnSpc>
-                          <a:spcPct val="150000"/>
+                          <a:spcPct val="100000"/>
                         </a:lnSpc>
                         <a:spcAft>
                           <a:spcPts val="600"/>
                         </a:spcAft>
                       </a:pPr>
                       <a:r>
-                        <a:rPr lang="ru-RU" sz="700" b="1">
+                        <a:rPr lang="ru-RU" sz="1400" b="1">
                           <a:effectLst/>
                           <a:latin typeface="Times New Roman"/>
                           <a:ea typeface="Times New Roman"/>
@@ -24998,7 +25173,7 @@
                         <a:t>Расход мазута, </a:t>
                       </a:r>
                       <a:r>
-                        <a:rPr lang="en-US" sz="700" b="1">
+                        <a:rPr lang="en-US" sz="1400" b="1">
                           <a:effectLst/>
                           <a:latin typeface="Times New Roman"/>
                           <a:ea typeface="Times New Roman"/>
@@ -25006,7 +25181,7 @@
                         <a:t>[</a:t>
                       </a:r>
                       <a:r>
-                        <a:rPr lang="ru-RU" sz="700" b="1">
+                        <a:rPr lang="ru-RU" sz="1400" b="1">
                           <a:effectLst/>
                           <a:latin typeface="Times New Roman"/>
                           <a:ea typeface="Times New Roman"/>
@@ -25014,14 +25189,14 @@
                         <a:t>тонн/час</a:t>
                       </a:r>
                       <a:r>
-                        <a:rPr lang="en-US" sz="700" b="1">
+                        <a:rPr lang="en-US" sz="1400" b="1">
                           <a:effectLst/>
                           <a:latin typeface="Times New Roman"/>
                           <a:ea typeface="Times New Roman"/>
                         </a:rPr>
                         <a:t>]</a:t>
                       </a:r>
-                      <a:endParaRPr lang="ru-RU" sz="900">
+                      <a:endParaRPr lang="ru-RU" sz="1400">
                         <a:effectLst/>
                         <a:latin typeface="Times New Roman"/>
                         <a:ea typeface="Times New Roman"/>
@@ -25074,21 +25249,21 @@
                     <a:p>
                       <a:pPr indent="457200" algn="l">
                         <a:lnSpc>
-                          <a:spcPct val="150000"/>
+                          <a:spcPct val="100000"/>
                         </a:lnSpc>
                         <a:spcAft>
                           <a:spcPts val="600"/>
                         </a:spcAft>
                       </a:pPr>
                       <a:r>
-                        <a:rPr lang="en-US" sz="900">
+                        <a:rPr lang="en-US" sz="1400" dirty="0">
                           <a:effectLst/>
                           <a:latin typeface="Times New Roman"/>
                           <a:ea typeface="Times New Roman"/>
                         </a:rPr>
                         <a:t>0</a:t>
                       </a:r>
-                      <a:endParaRPr lang="ru-RU" sz="900">
+                      <a:endParaRPr lang="ru-RU" sz="1400" dirty="0">
                         <a:effectLst/>
                         <a:latin typeface="Times New Roman"/>
                         <a:ea typeface="Times New Roman"/>
@@ -25151,21 +25326,21 @@
                     <a:p>
                       <a:pPr indent="457200" algn="l">
                         <a:lnSpc>
-                          <a:spcPct val="150000"/>
+                          <a:spcPct val="100000"/>
                         </a:lnSpc>
                         <a:spcAft>
                           <a:spcPts val="600"/>
                         </a:spcAft>
                       </a:pPr>
                       <a:r>
-                        <a:rPr lang="en-US" sz="900">
+                        <a:rPr lang="en-US" sz="1400" dirty="0">
                           <a:effectLst/>
                           <a:latin typeface="Times New Roman"/>
                           <a:ea typeface="Times New Roman"/>
                         </a:rPr>
                         <a:t>0</a:t>
                       </a:r>
-                      <a:endParaRPr lang="ru-RU" sz="900">
+                      <a:endParaRPr lang="ru-RU" sz="1400" dirty="0">
                         <a:effectLst/>
                         <a:latin typeface="Times New Roman"/>
                         <a:ea typeface="Times New Roman"/>
@@ -25222,7 +25397,7 @@
                   <a:tcPr/>
                 </a:tc>
               </a:tr>
-              <a:tr h="478901">
+              <a:tr h="445874">
                 <a:tc>
                   <a:txBody>
                     <a:bodyPr/>
@@ -25230,21 +25405,21 @@
                     <a:p>
                       <a:pPr indent="457200" algn="just">
                         <a:lnSpc>
-                          <a:spcPct val="150000"/>
+                          <a:spcPct val="100000"/>
                         </a:lnSpc>
                         <a:spcAft>
                           <a:spcPts val="600"/>
                         </a:spcAft>
                       </a:pPr>
                       <a:r>
-                        <a:rPr lang="ru-RU" sz="700" b="1">
+                        <a:rPr lang="ru-RU" sz="1400" b="1">
                           <a:effectLst/>
                           <a:latin typeface="Times New Roman"/>
                           <a:ea typeface="Times New Roman"/>
                         </a:rPr>
                         <a:t>Финансовые затраты на топливо, [руб./час]</a:t>
                       </a:r>
-                      <a:endParaRPr lang="ru-RU" sz="900">
+                      <a:endParaRPr lang="ru-RU" sz="1400">
                         <a:effectLst/>
                         <a:latin typeface="Times New Roman"/>
                         <a:ea typeface="Times New Roman"/>
@@ -25297,21 +25472,21 @@
                     <a:p>
                       <a:pPr indent="457200" algn="l">
                         <a:lnSpc>
-                          <a:spcPct val="150000"/>
+                          <a:spcPct val="100000"/>
                         </a:lnSpc>
                         <a:spcAft>
                           <a:spcPts val="600"/>
                         </a:spcAft>
                       </a:pPr>
                       <a:r>
-                        <a:rPr lang="en-US" sz="900">
+                        <a:rPr lang="en-US" sz="1400" dirty="0">
                           <a:effectLst/>
                           <a:latin typeface="Times New Roman"/>
                           <a:ea typeface="Times New Roman"/>
                         </a:rPr>
                         <a:t>174278,66</a:t>
                       </a:r>
-                      <a:endParaRPr lang="ru-RU" sz="900">
+                      <a:endParaRPr lang="ru-RU" sz="1400" dirty="0">
                         <a:effectLst/>
                         <a:latin typeface="Times New Roman"/>
                         <a:ea typeface="Times New Roman"/>
@@ -25374,21 +25549,21 @@
                     <a:p>
                       <a:pPr indent="457200" algn="l">
                         <a:lnSpc>
-                          <a:spcPct val="150000"/>
+                          <a:spcPct val="100000"/>
                         </a:lnSpc>
                         <a:spcAft>
                           <a:spcPts val="600"/>
                         </a:spcAft>
                       </a:pPr>
                       <a:r>
-                        <a:rPr lang="en-US" sz="900" b="1">
+                        <a:rPr lang="en-US" sz="1400" b="1" dirty="0">
                           <a:effectLst/>
                           <a:latin typeface="Times New Roman"/>
                           <a:ea typeface="Times New Roman"/>
                         </a:rPr>
                         <a:t>174249,73</a:t>
                       </a:r>
-                      <a:endParaRPr lang="ru-RU" sz="900">
+                      <a:endParaRPr lang="ru-RU" sz="1400" dirty="0">
                         <a:effectLst/>
                         <a:latin typeface="Times New Roman"/>
                         <a:ea typeface="Times New Roman"/>
@@ -25445,7 +25620,7 @@
                   <a:tcPr/>
                 </a:tc>
               </a:tr>
-              <a:tr h="638534">
+              <a:tr h="594498">
                 <a:tc>
                   <a:txBody>
                     <a:bodyPr/>
@@ -25453,14 +25628,14 @@
                     <a:p>
                       <a:pPr indent="457200" algn="just">
                         <a:lnSpc>
-                          <a:spcPct val="150000"/>
+                          <a:spcPct val="100000"/>
                         </a:lnSpc>
                         <a:spcAft>
                           <a:spcPts val="600"/>
                         </a:spcAft>
                       </a:pPr>
                       <a:r>
-                        <a:rPr lang="ru-RU" sz="700" b="1">
+                        <a:rPr lang="ru-RU" sz="1400" b="1">
                           <a:effectLst/>
                           <a:latin typeface="Times New Roman"/>
                           <a:ea typeface="Times New Roman"/>
@@ -25468,14 +25643,14 @@
                         <a:t>КПД группы котлоагрегатов, </a:t>
                       </a:r>
                       <a:r>
-                        <a:rPr lang="en-US" sz="700" b="1">
+                        <a:rPr lang="en-US" sz="1400" b="1">
                           <a:effectLst/>
                           <a:latin typeface="Times New Roman"/>
                           <a:ea typeface="Times New Roman"/>
                         </a:rPr>
                         <a:t>[%]</a:t>
                       </a:r>
-                      <a:endParaRPr lang="ru-RU" sz="900">
+                      <a:endParaRPr lang="ru-RU" sz="1400">
                         <a:effectLst/>
                         <a:latin typeface="Times New Roman"/>
                         <a:ea typeface="Times New Roman"/>
@@ -25528,14 +25703,14 @@
                     <a:p>
                       <a:pPr indent="457200" algn="l">
                         <a:lnSpc>
-                          <a:spcPct val="150000"/>
+                          <a:spcPct val="100000"/>
                         </a:lnSpc>
                         <a:spcAft>
                           <a:spcPts val="600"/>
                         </a:spcAft>
                       </a:pPr>
                       <a:r>
-                        <a:rPr lang="ru-RU" sz="900">
+                        <a:rPr lang="ru-RU" sz="1400" dirty="0">
                           <a:effectLst/>
                           <a:latin typeface="Times New Roman"/>
                           <a:ea typeface="Times New Roman"/>
@@ -25543,7 +25718,7 @@
                         <a:t>93</a:t>
                       </a:r>
                       <a:r>
-                        <a:rPr lang="en-US" sz="900">
+                        <a:rPr lang="en-US" sz="1400" dirty="0">
                           <a:effectLst/>
                           <a:latin typeface="Times New Roman"/>
                           <a:ea typeface="Times New Roman"/>
@@ -25551,7 +25726,7 @@
                         <a:t>,</a:t>
                       </a:r>
                       <a:r>
-                        <a:rPr lang="ru-RU" sz="900">
+                        <a:rPr lang="ru-RU" sz="1400" dirty="0">
                           <a:effectLst/>
                           <a:latin typeface="Times New Roman"/>
                           <a:ea typeface="Times New Roman"/>
@@ -25616,21 +25791,21 @@
                     <a:p>
                       <a:pPr indent="457200" algn="l">
                         <a:lnSpc>
-                          <a:spcPct val="150000"/>
+                          <a:spcPct val="100000"/>
                         </a:lnSpc>
                         <a:spcAft>
                           <a:spcPts val="600"/>
                         </a:spcAft>
                       </a:pPr>
                       <a:r>
-                        <a:rPr lang="en-US" sz="900" b="1" dirty="0">
+                        <a:rPr lang="en-US" sz="1400" b="1" dirty="0">
                           <a:effectLst/>
                           <a:latin typeface="Times New Roman"/>
                           <a:ea typeface="Times New Roman"/>
                         </a:rPr>
                         <a:t>93,803</a:t>
                       </a:r>
-                      <a:endParaRPr lang="ru-RU" sz="900" dirty="0">
+                      <a:endParaRPr lang="ru-RU" sz="1400" dirty="0">
                         <a:effectLst/>
                         <a:latin typeface="Times New Roman"/>
                         <a:ea typeface="Times New Roman"/>
@@ -25699,7 +25874,7 @@
         </p:nvSpPr>
         <p:spPr>
           <a:xfrm>
-            <a:off x="899592" y="1268760"/>
+            <a:off x="467544" y="1268760"/>
             <a:ext cx="7560840" cy="369332"/>
           </a:xfrm>
           <a:prstGeom prst="rect">
@@ -25714,9 +25889,51 @@
           <a:p>
             <a:r>
               <a:rPr lang="ru-RU" dirty="0" smtClean="0"/>
-              <a:t>Ситуация – «Обычная».</a:t>
+              <a:t>Ситуация – «</a:t>
+            </a:r>
+            <a:r>
+              <a:rPr lang="ru-RU" b="1" dirty="0" smtClean="0"/>
+              <a:t>Обычная</a:t>
+            </a:r>
+            <a:r>
+              <a:rPr lang="ru-RU" dirty="0" smtClean="0"/>
+              <a:t>».</a:t>
             </a:r>
             <a:endParaRPr lang="ru-RU" dirty="0"/>
+          </a:p>
+        </p:txBody>
+      </p:sp>
+      <p:sp>
+        <p:nvSpPr>
+          <p:cNvPr id="6" name="Прямоугольник 5"/>
+          <p:cNvSpPr/>
+          <p:nvPr/>
+        </p:nvSpPr>
+        <p:spPr>
+          <a:xfrm>
+            <a:off x="467544" y="1638092"/>
+            <a:ext cx="8136904" cy="338554"/>
+          </a:xfrm>
+          <a:prstGeom prst="rect">
+            <a:avLst/>
+          </a:prstGeom>
+        </p:spPr>
+        <p:txBody>
+          <a:bodyPr wrap="square">
+            <a:spAutoFit/>
+          </a:bodyPr>
+          <a:lstStyle/>
+          <a:p>
+            <a:pPr algn="just"/>
+            <a:r>
+              <a:rPr lang="ru-RU" sz="1600" dirty="0" smtClean="0"/>
+              <a:t>Таблица </a:t>
+            </a:r>
+            <a:r>
+              <a:rPr lang="ru-RU" sz="1600" dirty="0" smtClean="0"/>
+              <a:t>4. Сравнение режимов работы для ситуации «Обычная»</a:t>
+            </a:r>
+            <a:endParaRPr lang="ru-RU" sz="1600" dirty="0"/>
           </a:p>
         </p:txBody>
       </p:sp>
@@ -25819,7 +26036,7 @@
         <p:spPr>
           <a:xfrm>
             <a:off x="899592" y="1268760"/>
-            <a:ext cx="7560840" cy="369332"/>
+            <a:ext cx="4032448" cy="646331"/>
           </a:xfrm>
           <a:prstGeom prst="rect">
             <a:avLst/>
@@ -25833,7 +26050,22 @@
           <a:p>
             <a:r>
               <a:rPr lang="ru-RU" dirty="0" smtClean="0"/>
-              <a:t>Ситуация – «Приоритет одного вида топлива».</a:t>
+              <a:t>Ситуация – </a:t>
+            </a:r>
+            <a:endParaRPr lang="ru-RU" dirty="0" smtClean="0"/>
+          </a:p>
+          <a:p>
+            <a:r>
+              <a:rPr lang="ru-RU" dirty="0" smtClean="0"/>
+              <a:t>«</a:t>
+            </a:r>
+            <a:r>
+              <a:rPr lang="ru-RU" b="1" dirty="0" smtClean="0"/>
+              <a:t>Приоритет одного вида топлива</a:t>
+            </a:r>
+            <a:r>
+              <a:rPr lang="ru-RU" dirty="0" smtClean="0"/>
+              <a:t>».</a:t>
             </a:r>
             <a:endParaRPr lang="ru-RU" dirty="0"/>
           </a:p>
@@ -25846,14 +26078,14 @@
           <p:nvPr>
             <p:extLst>
               <p:ext uri="{D42A27DB-BD31-4B8C-83A1-F6EECF244321}">
-                <p14:modId xmlns:p14="http://schemas.microsoft.com/office/powerpoint/2010/main" val="1411028845"/>
+                <p14:modId xmlns:p14="http://schemas.microsoft.com/office/powerpoint/2010/main" val="2945100967"/>
               </p:ext>
             </p:extLst>
           </p:nvPr>
         </p:nvGraphicFramePr>
         <p:xfrm>
-          <a:off x="1115616" y="1772816"/>
-          <a:ext cx="7344816" cy="3672408"/>
+          <a:off x="1115616" y="2276872"/>
+          <a:ext cx="7344816" cy="3168352"/>
         </p:xfrm>
         <a:graphic>
           <a:graphicData uri="http://schemas.openxmlformats.org/drawingml/2006/chart">
@@ -25883,9 +26115,107 @@
           <a:lstStyle/>
           <a:p>
             <a:r>
+              <a:rPr lang="ru-RU" dirty="0" smtClean="0"/>
+              <a:t>Рис. 5. Зависимость </a:t>
+            </a:r>
+            <a:r>
               <a:rPr lang="ru-RU" dirty="0"/>
-              <a:t>Зависимость значения критерия расхода газа от коэффициента относительной важности расхода газа по отношению к другим критериям.</a:t>
-            </a:r>
+              <a:t>значения критерия расхода газа от коэффициента относительной важности расхода газа по отношению к другим критериям.</a:t>
+            </a:r>
+          </a:p>
+        </p:txBody>
+      </p:sp>
+      <p:sp>
+        <p:nvSpPr>
+          <p:cNvPr id="8" name="Прямоугольник 6"/>
+          <p:cNvSpPr/>
+          <p:nvPr/>
+        </p:nvSpPr>
+        <p:spPr>
+          <a:xfrm>
+            <a:off x="4499992" y="1270552"/>
+            <a:ext cx="4464496" cy="1169551"/>
+          </a:xfrm>
+          <a:prstGeom prst="rect">
+            <a:avLst/>
+          </a:prstGeom>
+        </p:spPr>
+        <p:txBody>
+          <a:bodyPr wrap="square">
+            <a:spAutoFit/>
+          </a:bodyPr>
+          <a:lstStyle/>
+          <a:p>
+            <a:pPr marL="285750" indent="-285750">
+              <a:buFont typeface="Arial" pitchFamily="34" charset="0"/>
+              <a:buChar char="•"/>
+            </a:pPr>
+            <a:r>
+              <a:rPr lang="ru-RU" sz="1400" dirty="0" smtClean="0"/>
+              <a:t>Плановая паропроизводительность: </a:t>
+            </a:r>
+            <a:r>
+              <a:rPr lang="ru-RU" sz="1400" b="1" dirty="0" smtClean="0"/>
+              <a:t>638 тонн/час;</a:t>
+            </a:r>
+          </a:p>
+          <a:p>
+            <a:pPr marL="285750" indent="-285750">
+              <a:buFont typeface="Arial" pitchFamily="34" charset="0"/>
+              <a:buChar char="•"/>
+            </a:pPr>
+            <a:r>
+              <a:rPr lang="ru-RU" sz="1400" dirty="0" smtClean="0"/>
+              <a:t>Газ: </a:t>
+            </a:r>
+            <a:r>
+              <a:rPr lang="ru-RU" sz="1400" b="1" dirty="0"/>
+              <a:t>3482 </a:t>
+            </a:r>
+            <a:r>
+              <a:rPr lang="ru-RU" sz="1400" b="1" dirty="0" smtClean="0"/>
+              <a:t>руб./тыс.нм3</a:t>
+            </a:r>
+          </a:p>
+          <a:p>
+            <a:pPr marL="285750" indent="-285750">
+              <a:buFont typeface="Arial" pitchFamily="34" charset="0"/>
+              <a:buChar char="•"/>
+            </a:pPr>
+            <a:r>
+              <a:rPr lang="ru-RU" sz="1400" dirty="0" smtClean="0"/>
+              <a:t>Мазут: </a:t>
+            </a:r>
+            <a:r>
+              <a:rPr lang="ru-RU" sz="1400" b="1" dirty="0" smtClean="0"/>
+              <a:t>6500 руб./т.</a:t>
+            </a:r>
+          </a:p>
+          <a:p>
+            <a:pPr marL="285750" indent="-285750">
+              <a:buFont typeface="Arial" pitchFamily="34" charset="0"/>
+              <a:buChar char="•"/>
+            </a:pPr>
+            <a:r>
+              <a:rPr lang="ru-RU" sz="1400" dirty="0" smtClean="0"/>
+              <a:t>Коэффициенты относительной важности: </a:t>
+            </a:r>
+            <a:endParaRPr lang="en-US" sz="1400" dirty="0" smtClean="0"/>
+          </a:p>
+          <a:p>
+            <a:r>
+              <a:rPr lang="en-US" sz="1400" b="1" dirty="0"/>
+              <a:t> </a:t>
+            </a:r>
+            <a:r>
+              <a:rPr lang="en-US" sz="1400" b="1" dirty="0" smtClean="0"/>
+              <a:t>      </a:t>
+            </a:r>
+            <a:r>
+              <a:rPr lang="en-US" sz="1400" b="1" dirty="0" smtClean="0"/>
+              <a:t>[10%; 90%]</a:t>
+            </a:r>
+            <a:endParaRPr lang="ru-RU" sz="1400" dirty="0"/>
           </a:p>
         </p:txBody>
       </p:sp>
@@ -25974,35 +26304,6 @@
       </p:sp>
       <p:sp>
         <p:nvSpPr>
-          <p:cNvPr id="7" name="Прямоугольник 6"/>
-          <p:cNvSpPr/>
-          <p:nvPr/>
-        </p:nvSpPr>
-        <p:spPr>
-          <a:xfrm>
-            <a:off x="899592" y="1268760"/>
-            <a:ext cx="7560840" cy="369332"/>
-          </a:xfrm>
-          <a:prstGeom prst="rect">
-            <a:avLst/>
-          </a:prstGeom>
-        </p:spPr>
-        <p:txBody>
-          <a:bodyPr wrap="square">
-            <a:spAutoFit/>
-          </a:bodyPr>
-          <a:lstStyle/>
-          <a:p>
-            <a:r>
-              <a:rPr lang="ru-RU" dirty="0" smtClean="0"/>
-              <a:t>Ситуация – «Приоритет одного вида топлива».</a:t>
-            </a:r>
-            <a:endParaRPr lang="ru-RU" dirty="0"/>
-          </a:p>
-        </p:txBody>
-      </p:sp>
-      <p:sp>
-        <p:nvSpPr>
           <p:cNvPr id="11" name="Прямоугольник 10"/>
           <p:cNvSpPr/>
           <p:nvPr/>
@@ -26023,8 +26324,12 @@
           <a:lstStyle/>
           <a:p>
             <a:r>
+              <a:rPr lang="ru-RU" dirty="0" smtClean="0"/>
+              <a:t>Рис. 6. Зависимость </a:t>
+            </a:r>
+            <a:r>
               <a:rPr lang="ru-RU" dirty="0"/>
-              <a:t>Зависимость значения критерия расхода мазута от коэффициента относительной важности расхода газа по отношению к другим критериям.</a:t>
+              <a:t>значения критерия расхода мазута от коэффициента относительной важности расхода газа по отношению к другим критериям.</a:t>
             </a:r>
           </a:p>
         </p:txBody>
@@ -26134,35 +26439,6 @@
           </a:p>
         </p:txBody>
       </p:sp>
-      <p:sp>
-        <p:nvSpPr>
-          <p:cNvPr id="7" name="Прямоугольник 6"/>
-          <p:cNvSpPr/>
-          <p:nvPr/>
-        </p:nvSpPr>
-        <p:spPr>
-          <a:xfrm>
-            <a:off x="899592" y="1268760"/>
-            <a:ext cx="7560840" cy="369332"/>
-          </a:xfrm>
-          <a:prstGeom prst="rect">
-            <a:avLst/>
-          </a:prstGeom>
-        </p:spPr>
-        <p:txBody>
-          <a:bodyPr wrap="square">
-            <a:spAutoFit/>
-          </a:bodyPr>
-          <a:lstStyle/>
-          <a:p>
-            <a:r>
-              <a:rPr lang="ru-RU" dirty="0" smtClean="0"/>
-              <a:t>Ситуация – «Приоритет одного вида топлива».</a:t>
-            </a:r>
-            <a:endParaRPr lang="ru-RU" dirty="0"/>
-          </a:p>
-        </p:txBody>
-      </p:sp>
       <p:graphicFrame>
         <p:nvGraphicFramePr>
           <p:cNvPr id="9" name="Диаграмма 8"/>
@@ -26207,8 +26483,12 @@
           <a:lstStyle/>
           <a:p>
             <a:r>
+              <a:rPr lang="ru-RU" dirty="0" smtClean="0"/>
+              <a:t>Рис. 7. Зависимость </a:t>
+            </a:r>
+            <a:r>
               <a:rPr lang="ru-RU" dirty="0"/>
-              <a:t>Зависимость финансовых затрат на топливо от коэффициента относительной важности расхода газа по отношению к другим критериям.</a:t>
+              <a:t>финансовых затрат на топливо от коэффициента относительной важности расхода газа по отношению к другим критериям.</a:t>
             </a:r>
           </a:p>
         </p:txBody>
@@ -26296,35 +26576,6 @@
           </a:p>
         </p:txBody>
       </p:sp>
-      <p:sp>
-        <p:nvSpPr>
-          <p:cNvPr id="7" name="Прямоугольник 6"/>
-          <p:cNvSpPr/>
-          <p:nvPr/>
-        </p:nvSpPr>
-        <p:spPr>
-          <a:xfrm>
-            <a:off x="899592" y="1268760"/>
-            <a:ext cx="7560840" cy="369332"/>
-          </a:xfrm>
-          <a:prstGeom prst="rect">
-            <a:avLst/>
-          </a:prstGeom>
-        </p:spPr>
-        <p:txBody>
-          <a:bodyPr wrap="square">
-            <a:spAutoFit/>
-          </a:bodyPr>
-          <a:lstStyle/>
-          <a:p>
-            <a:r>
-              <a:rPr lang="ru-RU" dirty="0" smtClean="0"/>
-              <a:t>Ситуация – «Приоритет одного вида топлива».</a:t>
-            </a:r>
-            <a:endParaRPr lang="ru-RU" dirty="0"/>
-          </a:p>
-        </p:txBody>
-      </p:sp>
       <p:graphicFrame>
         <p:nvGraphicFramePr>
           <p:cNvPr id="9" name="Диаграмма 8"/>
@@ -26369,8 +26620,12 @@
           <a:lstStyle/>
           <a:p>
             <a:r>
+              <a:rPr lang="ru-RU" dirty="0" smtClean="0"/>
+              <a:t>Рис. 8. Зависимость </a:t>
+            </a:r>
+            <a:r>
               <a:rPr lang="ru-RU" dirty="0"/>
-              <a:t>Зависимость значения критерия КПД очереди котлоагрегатов от коэффициента относительной важности расхода газа по отношению к другим критериям.</a:t>
+              <a:t>значения критерия КПД очереди котлоагрегатов от коэффициента относительной важности расхода газа по отношению к другим критериям.</a:t>
             </a:r>
           </a:p>
         </p:txBody>
@@ -26462,7 +26717,7 @@
         </p:spPr>
         <p:txBody>
           <a:bodyPr>
-            <a:normAutofit fontScale="77500" lnSpcReduction="20000"/>
+            <a:normAutofit fontScale="62500" lnSpcReduction="20000"/>
           </a:bodyPr>
           <a:lstStyle/>
           <a:p>
@@ -26494,8 +26749,8 @@
               <a:t>Проведен анализ </a:t>
             </a:r>
             <a:r>
-              <a:rPr lang="ru-RU" sz="3400" dirty="0"/>
-              <a:t>предметной области.</a:t>
+              <a:rPr lang="ru-RU" sz="3400" dirty="0" smtClean="0"/>
+              <a:t>существующих оптимизационных продуктов и решений;</a:t>
             </a:r>
           </a:p>
           <a:p>
@@ -26505,19 +26760,7 @@
             </a:pPr>
             <a:r>
               <a:rPr lang="ru-RU" sz="3400" dirty="0" smtClean="0"/>
-              <a:t>Выделены параметры, необходимые </a:t>
-            </a:r>
-            <a:r>
-              <a:rPr lang="ru-RU" sz="3400" dirty="0"/>
-              <a:t>для построения математической </a:t>
-            </a:r>
-            <a:r>
-              <a:rPr lang="ru-RU" sz="3400" dirty="0" smtClean="0"/>
-              <a:t>модели</a:t>
-            </a:r>
-            <a:r>
-              <a:rPr lang="en-US" sz="3400" dirty="0" smtClean="0"/>
-              <a:t>,</a:t>
+              <a:t>Проведен анализ существующих алгоритмов оптимизации и выбран один из них;</a:t>
             </a:r>
             <a:endParaRPr lang="ru-RU" sz="3400" dirty="0"/>
           </a:p>
@@ -26528,11 +26771,23 @@
             </a:pPr>
             <a:r>
               <a:rPr lang="ru-RU" sz="3400" dirty="0" smtClean="0"/>
-              <a:t>Сформулированы критерии оптимизации</a:t>
-            </a:r>
-            <a:r>
-              <a:rPr lang="en-US" sz="3400" dirty="0" smtClean="0"/>
-              <a:t>,</a:t>
+              <a:t>Выделены </a:t>
+            </a:r>
+            <a:r>
+              <a:rPr lang="ru-RU" sz="3400" dirty="0" smtClean="0"/>
+              <a:t>параметры и ограничения, </a:t>
+            </a:r>
+            <a:r>
+              <a:rPr lang="ru-RU" sz="3400" dirty="0" smtClean="0"/>
+              <a:t>необходимые </a:t>
+            </a:r>
+            <a:r>
+              <a:rPr lang="ru-RU" sz="3400" dirty="0"/>
+              <a:t>для построения математической </a:t>
+            </a:r>
+            <a:r>
+              <a:rPr lang="ru-RU" sz="3400" dirty="0" smtClean="0"/>
+              <a:t>модели;</a:t>
             </a:r>
             <a:endParaRPr lang="ru-RU" sz="3400" dirty="0"/>
           </a:p>
@@ -26543,19 +26798,11 @@
             </a:pPr>
             <a:r>
               <a:rPr lang="ru-RU" sz="3400" dirty="0" smtClean="0"/>
-              <a:t>Сформулирована целевая функция </a:t>
-            </a:r>
-            <a:r>
-              <a:rPr lang="ru-RU" sz="3400" dirty="0"/>
-              <a:t>многокритериальной </a:t>
+              <a:t>Сформулированы критерии </a:t>
             </a:r>
             <a:r>
               <a:rPr lang="ru-RU" sz="3400" dirty="0" smtClean="0"/>
-              <a:t>оптимизации</a:t>
-            </a:r>
-            <a:r>
-              <a:rPr lang="en-US" sz="3400" dirty="0"/>
-              <a:t>,</a:t>
+              <a:t>оптимизации;</a:t>
             </a:r>
             <a:endParaRPr lang="ru-RU" sz="3400" dirty="0"/>
           </a:p>
@@ -26566,7 +26813,15 @@
             </a:pPr>
             <a:r>
               <a:rPr lang="ru-RU" sz="3400" dirty="0" smtClean="0"/>
-              <a:t>Построена математическая модель,</a:t>
+              <a:t>Сформулирована целевая функция </a:t>
+            </a:r>
+            <a:r>
+              <a:rPr lang="ru-RU" sz="3400" dirty="0"/>
+              <a:t>многокритериальной </a:t>
+            </a:r>
+            <a:r>
+              <a:rPr lang="ru-RU" sz="3400" dirty="0" smtClean="0"/>
+              <a:t>оптимизации;</a:t>
             </a:r>
             <a:endParaRPr lang="ru-RU" sz="3400" dirty="0"/>
           </a:p>
@@ -26577,15 +26832,11 @@
             </a:pPr>
             <a:r>
               <a:rPr lang="ru-RU" sz="3400" dirty="0" smtClean="0"/>
-              <a:t>Разработан метод </a:t>
-            </a:r>
-            <a:r>
-              <a:rPr lang="ru-RU" sz="3400" dirty="0"/>
-              <a:t>многокритериальной </a:t>
+              <a:t>Построена математическая </a:t>
             </a:r>
             <a:r>
               <a:rPr lang="ru-RU" sz="3400" dirty="0" smtClean="0"/>
-              <a:t>оптимизации,</a:t>
+              <a:t>модель;</a:t>
             </a:r>
             <a:endParaRPr lang="ru-RU" sz="3400" dirty="0"/>
           </a:p>
@@ -26596,16 +26847,17 @@
             </a:pPr>
             <a:r>
               <a:rPr lang="ru-RU" sz="3400" dirty="0" smtClean="0"/>
-              <a:t>Разработан алгоритм, реализующий </a:t>
+              <a:t>Разработан метод </a:t>
             </a:r>
             <a:r>
               <a:rPr lang="ru-RU" sz="3400" dirty="0"/>
-              <a:t>данный </a:t>
+              <a:t>многокритериальной </a:t>
             </a:r>
             <a:r>
               <a:rPr lang="ru-RU" sz="3400" dirty="0" smtClean="0"/>
-              <a:t>метод,</a:t>
-            </a:r>
+              <a:t>оптимизации;</a:t>
+            </a:r>
+            <a:endParaRPr lang="ru-RU" sz="3400" dirty="0"/>
           </a:p>
           <a:p>
             <a:pPr marL="514350" indent="-514350" algn="just">
@@ -26614,7 +26866,38 @@
             </a:pPr>
             <a:r>
               <a:rPr lang="ru-RU" sz="3400" dirty="0" smtClean="0"/>
-              <a:t>Проведено исследование разработанного метода.</a:t>
+              <a:t>Разработан </a:t>
+            </a:r>
+            <a:r>
+              <a:rPr lang="ru-RU" sz="3400" dirty="0" smtClean="0"/>
+              <a:t>программный комплекс, </a:t>
+            </a:r>
+            <a:r>
+              <a:rPr lang="ru-RU" sz="3400" dirty="0" smtClean="0"/>
+              <a:t>реализующий </a:t>
+            </a:r>
+            <a:r>
+              <a:rPr lang="ru-RU" sz="3400" dirty="0"/>
+              <a:t>данный </a:t>
+            </a:r>
+            <a:r>
+              <a:rPr lang="ru-RU" sz="3400" dirty="0" smtClean="0"/>
+              <a:t>метод;</a:t>
+            </a:r>
+            <a:endParaRPr lang="ru-RU" sz="3400" dirty="0" smtClean="0"/>
+          </a:p>
+          <a:p>
+            <a:pPr marL="514350" indent="-514350" algn="just">
+              <a:buFont typeface="+mj-lt"/>
+              <a:buAutoNum type="arabicPeriod"/>
+            </a:pPr>
+            <a:r>
+              <a:rPr lang="ru-RU" sz="3400" dirty="0" smtClean="0"/>
+              <a:t>Проведено исследование разработанного </a:t>
+            </a:r>
+            <a:r>
+              <a:rPr lang="ru-RU" sz="3400" dirty="0" smtClean="0"/>
+              <a:t>метода и сравнение полученных результатов с другими известными результатами.</a:t>
             </a:r>
             <a:endParaRPr lang="ru-RU" sz="3400" dirty="0"/>
           </a:p>
@@ -27365,7 +27648,6 @@
               <a:rPr lang="ru-RU" sz="1600" dirty="0" smtClean="0"/>
               <a:t>Возможность планирования затрат тепла и электроэнергии.</a:t>
             </a:r>
-            <a:endParaRPr lang="ru-RU" sz="1600" dirty="0" smtClean="0"/>
           </a:p>
         </p:txBody>
       </p:sp>
@@ -28122,7 +28404,6 @@
               <a:rPr lang="ru-RU" sz="1600" dirty="0" smtClean="0"/>
               <a:t>Наиболее эффективен для решения многоэкстремальных задач.</a:t>
             </a:r>
-            <a:endParaRPr lang="ru-RU" sz="1600" dirty="0" smtClean="0"/>
           </a:p>
         </p:txBody>
       </p:sp>
@@ -28421,11 +28702,7 @@
             <a:pPr algn="just"/>
             <a:r>
               <a:rPr lang="ru-RU" sz="2000" i="1" dirty="0" smtClean="0"/>
-              <a:t>Задача </a:t>
-            </a:r>
-            <a:r>
-              <a:rPr lang="ru-RU" sz="2000" i="1" dirty="0" smtClean="0"/>
-              <a:t>оптимизации состоит в нахождении:</a:t>
+              <a:t>Задача оптимизации состоит в нахождении:</a:t>
             </a:r>
           </a:p>
           <a:p>
@@ -28439,11 +28716,7 @@
             </a:pPr>
             <a:r>
               <a:rPr lang="ru-RU" dirty="0" smtClean="0"/>
-              <a:t>оптимального </a:t>
-            </a:r>
-            <a:r>
-              <a:rPr lang="ru-RU" dirty="0" smtClean="0"/>
-              <a:t>состава очереди котлоагрегатов, </a:t>
+              <a:t>оптимального состава очереди котлоагрегатов, </a:t>
             </a:r>
           </a:p>
           <a:p>
@@ -28453,13 +28726,8 @@
             </a:pPr>
             <a:r>
               <a:rPr lang="ru-RU" dirty="0" smtClean="0"/>
-              <a:t>паровых </a:t>
-            </a:r>
-            <a:r>
-              <a:rPr lang="ru-RU" dirty="0" smtClean="0"/>
-              <a:t>нагрузок для каждого из котлов, </a:t>
-            </a:r>
-            <a:endParaRPr lang="ru-RU" dirty="0" smtClean="0"/>
+              <a:t>паровых нагрузок для каждого из котлов, </a:t>
+            </a:r>
           </a:p>
           <a:p>
             <a:pPr marL="800100" lvl="1" indent="-342900" algn="just">
@@ -28485,7 +28753,6 @@
               <a:rPr lang="ru-RU" sz="2000" i="1" dirty="0" smtClean="0"/>
               <a:t>В качестве критериев оптимизации режимов работы котлоагрегатов выделим:</a:t>
             </a:r>
-            <a:endParaRPr lang="ru-RU" sz="2000" i="1" dirty="0" smtClean="0"/>
           </a:p>
           <a:p>
             <a:pPr algn="just"/>
@@ -28721,20 +28988,7 @@
                 </a:effectLst>
                 <a:latin typeface="+mj-lt"/>
               </a:rPr>
-              <a:t>Параметры математической </a:t>
-            </a:r>
-            <a:r>
-              <a:rPr lang="ru-RU" sz="4400" dirty="0" smtClean="0">
-                <a:effectLst>
-                  <a:outerShdw blurRad="38100" dist="38100" dir="2700000" algn="tl">
-                    <a:srgbClr val="000000">
-                      <a:alpha val="43137"/>
-                    </a:srgbClr>
-                  </a:outerShdw>
-                </a:effectLst>
-                <a:latin typeface="+mj-lt"/>
-              </a:rPr>
-              <a:t>модели</a:t>
+              <a:t>Параметры математической модели</a:t>
             </a:r>
             <a:r>
               <a:rPr lang="ru-RU" b="1" dirty="0"/>
@@ -29469,10 +29723,10 @@
           <a:p>
             <a:pPr algn="just"/>
             <a:r>
-              <a:rPr lang="ru-RU" sz="1600" b="1" dirty="0" smtClean="0"/>
+              <a:rPr lang="ru-RU" sz="1600" dirty="0" smtClean="0"/>
               <a:t>Таблица 1. Входные параметры математической модели:</a:t>
             </a:r>
-            <a:endParaRPr lang="ru-RU" sz="1600" b="1" dirty="0"/>
+            <a:endParaRPr lang="ru-RU" sz="1600" dirty="0"/>
           </a:p>
         </p:txBody>
       </p:sp>
@@ -29574,20 +29828,7 @@
                 </a:effectLst>
                 <a:latin typeface="+mj-lt"/>
               </a:rPr>
-              <a:t>Параметры математической </a:t>
-            </a:r>
-            <a:r>
-              <a:rPr lang="ru-RU" sz="4400" dirty="0" smtClean="0">
-                <a:effectLst>
-                  <a:outerShdw blurRad="38100" dist="38100" dir="2700000" algn="tl">
-                    <a:srgbClr val="000000">
-                      <a:alpha val="43137"/>
-                    </a:srgbClr>
-                  </a:outerShdw>
-                </a:effectLst>
-                <a:latin typeface="+mj-lt"/>
-              </a:rPr>
-              <a:t>модели</a:t>
+              <a:t>Параметры математической модели</a:t>
             </a:r>
             <a:r>
               <a:rPr lang="ru-RU" b="1" dirty="0"/>
@@ -29623,10 +29864,10 @@
           <a:p>
             <a:pPr algn="just"/>
             <a:r>
-              <a:rPr lang="ru-RU" sz="1600" b="1" dirty="0" smtClean="0"/>
+              <a:rPr lang="ru-RU" sz="1600" dirty="0" smtClean="0"/>
               <a:t>Таблица 2. Выходные параметры математической модели:</a:t>
             </a:r>
-            <a:endParaRPr lang="ru-RU" sz="1600" b="1" dirty="0"/>
+            <a:endParaRPr lang="ru-RU" sz="1600" dirty="0"/>
           </a:p>
         </p:txBody>
       </p:sp>
